--- a/assets/visualization.pptx
+++ b/assets/visualization.pptx
@@ -259,7 +259,7 @@
           <a:p>
             <a:fld id="{D548B4E7-F4DF-F444-89BE-160B951A6CB8}" type="datetimeFigureOut">
               <a:rPr kumimoji="1" lang="zh-CN" altLang="en-US" smtClean="0"/>
-              <a:t>2020/11/26</a:t>
+              <a:t>2020/11/28</a:t>
             </a:fld>
             <a:endParaRPr kumimoji="1" lang="zh-CN" altLang="en-US"/>
           </a:p>
@@ -457,7 +457,7 @@
           <a:p>
             <a:fld id="{D548B4E7-F4DF-F444-89BE-160B951A6CB8}" type="datetimeFigureOut">
               <a:rPr kumimoji="1" lang="zh-CN" altLang="en-US" smtClean="0"/>
-              <a:t>2020/11/26</a:t>
+              <a:t>2020/11/28</a:t>
             </a:fld>
             <a:endParaRPr kumimoji="1" lang="zh-CN" altLang="en-US"/>
           </a:p>
@@ -665,7 +665,7 @@
           <a:p>
             <a:fld id="{D548B4E7-F4DF-F444-89BE-160B951A6CB8}" type="datetimeFigureOut">
               <a:rPr kumimoji="1" lang="zh-CN" altLang="en-US" smtClean="0"/>
-              <a:t>2020/11/26</a:t>
+              <a:t>2020/11/28</a:t>
             </a:fld>
             <a:endParaRPr kumimoji="1" lang="zh-CN" altLang="en-US"/>
           </a:p>
@@ -863,7 +863,7 @@
           <a:p>
             <a:fld id="{D548B4E7-F4DF-F444-89BE-160B951A6CB8}" type="datetimeFigureOut">
               <a:rPr kumimoji="1" lang="zh-CN" altLang="en-US" smtClean="0"/>
-              <a:t>2020/11/26</a:t>
+              <a:t>2020/11/28</a:t>
             </a:fld>
             <a:endParaRPr kumimoji="1" lang="zh-CN" altLang="en-US"/>
           </a:p>
@@ -1138,7 +1138,7 @@
           <a:p>
             <a:fld id="{D548B4E7-F4DF-F444-89BE-160B951A6CB8}" type="datetimeFigureOut">
               <a:rPr kumimoji="1" lang="zh-CN" altLang="en-US" smtClean="0"/>
-              <a:t>2020/11/26</a:t>
+              <a:t>2020/11/28</a:t>
             </a:fld>
             <a:endParaRPr kumimoji="1" lang="zh-CN" altLang="en-US"/>
           </a:p>
@@ -1403,7 +1403,7 @@
           <a:p>
             <a:fld id="{D548B4E7-F4DF-F444-89BE-160B951A6CB8}" type="datetimeFigureOut">
               <a:rPr kumimoji="1" lang="zh-CN" altLang="en-US" smtClean="0"/>
-              <a:t>2020/11/26</a:t>
+              <a:t>2020/11/28</a:t>
             </a:fld>
             <a:endParaRPr kumimoji="1" lang="zh-CN" altLang="en-US"/>
           </a:p>
@@ -1815,7 +1815,7 @@
           <a:p>
             <a:fld id="{D548B4E7-F4DF-F444-89BE-160B951A6CB8}" type="datetimeFigureOut">
               <a:rPr kumimoji="1" lang="zh-CN" altLang="en-US" smtClean="0"/>
-              <a:t>2020/11/26</a:t>
+              <a:t>2020/11/28</a:t>
             </a:fld>
             <a:endParaRPr kumimoji="1" lang="zh-CN" altLang="en-US"/>
           </a:p>
@@ -1921,13 +1921,28 @@
             <p:ph type="title"/>
           </p:nvPr>
         </p:nvSpPr>
-        <p:spPr/>
+        <p:spPr>
+          <a:xfrm>
+            <a:off x="838200" y="365125"/>
+            <a:ext cx="10515600" cy="789907"/>
+          </a:xfrm>
+        </p:spPr>
         <p:txBody>
           <a:bodyPr/>
-          <a:lstStyle/>
-          <a:p>
-            <a:r>
-              <a:rPr kumimoji="1" lang="zh-CN" altLang="en-US"/>
+          <a:lstStyle>
+            <a:lvl1pPr>
+              <a:defRPr sz="2400" b="1">
+                <a:solidFill>
+                  <a:schemeClr val="accent1">
+                    <a:lumMod val="75000"/>
+                  </a:schemeClr>
+                </a:solidFill>
+              </a:defRPr>
+            </a:lvl1pPr>
+          </a:lstStyle>
+          <a:p>
+            <a:r>
+              <a:rPr kumimoji="1" lang="zh-CN" altLang="en-US" dirty="0"/>
               <a:t>单击此处编辑母版标题样式</a:t>
             </a:r>
           </a:p>
@@ -1956,7 +1971,7 @@
           <a:p>
             <a:fld id="{D548B4E7-F4DF-F444-89BE-160B951A6CB8}" type="datetimeFigureOut">
               <a:rPr kumimoji="1" lang="zh-CN" altLang="en-US" smtClean="0"/>
-              <a:t>2020/11/26</a:t>
+              <a:t>2020/11/28</a:t>
             </a:fld>
             <a:endParaRPr kumimoji="1" lang="zh-CN" altLang="en-US"/>
           </a:p>
@@ -2069,7 +2084,7 @@
           <a:p>
             <a:fld id="{D548B4E7-F4DF-F444-89BE-160B951A6CB8}" type="datetimeFigureOut">
               <a:rPr kumimoji="1" lang="zh-CN" altLang="en-US" smtClean="0"/>
-              <a:t>2020/11/26</a:t>
+              <a:t>2020/11/28</a:t>
             </a:fld>
             <a:endParaRPr kumimoji="1" lang="zh-CN" altLang="en-US"/>
           </a:p>
@@ -2380,7 +2395,7 @@
           <a:p>
             <a:fld id="{D548B4E7-F4DF-F444-89BE-160B951A6CB8}" type="datetimeFigureOut">
               <a:rPr kumimoji="1" lang="zh-CN" altLang="en-US" smtClean="0"/>
-              <a:t>2020/11/26</a:t>
+              <a:t>2020/11/28</a:t>
             </a:fld>
             <a:endParaRPr kumimoji="1" lang="zh-CN" altLang="en-US"/>
           </a:p>
@@ -2668,7 +2683,7 @@
           <a:p>
             <a:fld id="{D548B4E7-F4DF-F444-89BE-160B951A6CB8}" type="datetimeFigureOut">
               <a:rPr kumimoji="1" lang="zh-CN" altLang="en-US" smtClean="0"/>
-              <a:t>2020/11/26</a:t>
+              <a:t>2020/11/28</a:t>
             </a:fld>
             <a:endParaRPr kumimoji="1" lang="zh-CN" altLang="en-US"/>
           </a:p>
@@ -2833,38 +2848,31 @@
           <a:lstStyle/>
           <a:p>
             <a:pPr lvl="0"/>
-            <a:r>
-              <a:rPr kumimoji="1" lang="zh-CN" altLang="en-US"/>
-              <a:t>单击此处编辑母版文本样式</a:t>
-            </a:r>
-          </a:p>
-          <a:p>
-            <a:pPr lvl="1"/>
-            <a:r>
-              <a:rPr kumimoji="1" lang="zh-CN" altLang="en-US"/>
-              <a:t>二级</a:t>
-            </a:r>
-          </a:p>
-          <a:p>
-            <a:pPr lvl="2"/>
-            <a:r>
-              <a:rPr kumimoji="1" lang="zh-CN" altLang="en-US"/>
-              <a:t>三级</a:t>
-            </a:r>
-          </a:p>
-          <a:p>
-            <a:pPr lvl="3"/>
-            <a:r>
-              <a:rPr kumimoji="1" lang="zh-CN" altLang="en-US"/>
-              <a:t>四级</a:t>
-            </a:r>
-          </a:p>
-          <a:p>
-            <a:pPr lvl="4"/>
-            <a:r>
-              <a:rPr kumimoji="1" lang="zh-CN" altLang="en-US"/>
-              <a:t>五级</a:t>
-            </a:r>
+            <a:endParaRPr kumimoji="1" lang="en-US" altLang="zh-CN" dirty="0"/>
+          </a:p>
+          <a:p>
+            <a:pPr lvl="0"/>
+            <a:r>
+              <a:rPr kumimoji="1" lang="en-US" altLang="zh-CN" dirty="0"/>
+              <a:t>https://</a:t>
+            </a:r>
+            <a:r>
+              <a:rPr kumimoji="1" lang="en-US" altLang="zh-CN" dirty="0" err="1"/>
+              <a:t>github.com</a:t>
+            </a:r>
+            <a:r>
+              <a:rPr kumimoji="1" lang="en-US" altLang="zh-CN" dirty="0"/>
+              <a:t>/</a:t>
+            </a:r>
+            <a:r>
+              <a:rPr kumimoji="1" lang="en-US" altLang="zh-CN" dirty="0" err="1"/>
+              <a:t>qindagang</a:t>
+            </a:r>
+            <a:r>
+              <a:rPr kumimoji="1" lang="en-US" altLang="zh-CN"/>
+              <a:t>/Data-Structures-and-Algorithm-Analysis-in-TS</a:t>
+            </a:r>
+            <a:endParaRPr kumimoji="1" lang="zh-CN" altLang="en-US" dirty="0"/>
           </a:p>
         </p:txBody>
       </p:sp>
@@ -2909,7 +2917,7 @@
           <a:p>
             <a:fld id="{D548B4E7-F4DF-F444-89BE-160B951A6CB8}" type="datetimeFigureOut">
               <a:rPr kumimoji="1" lang="zh-CN" altLang="en-US" smtClean="0"/>
-              <a:t>2020/11/26</a:t>
+              <a:t>2020/11/28</a:t>
             </a:fld>
             <a:endParaRPr kumimoji="1" lang="zh-CN" altLang="en-US"/>
           </a:p>
@@ -3047,7 +3055,7 @@
       </a:lvl1pPr>
     </p:titleStyle>
     <p:bodyStyle>
-      <a:lvl1pPr marL="228600" indent="-228600" algn="l" defTabSz="914400" rtl="0" eaLnBrk="1" latinLnBrk="0" hangingPunct="1">
+      <a:lvl1pPr marL="0" indent="0" algn="l" defTabSz="914400" rtl="0" eaLnBrk="1" latinLnBrk="0" hangingPunct="1">
         <a:lnSpc>
           <a:spcPct val="90000"/>
         </a:lnSpc>
@@ -3055,7 +3063,7 @@
           <a:spcPts val="1000"/>
         </a:spcBef>
         <a:buFont typeface="Arial" panose="020B0604020202020204" pitchFamily="34" charset="0"/>
-        <a:buChar char="•"/>
+        <a:buNone/>
         <a:defRPr sz="2800" kern="1200">
           <a:solidFill>
             <a:schemeClr val="tx1"/>
@@ -3340,7 +3348,7 @@
         </p:nvSpPr>
         <p:spPr>
           <a:xfrm>
-            <a:off x="5076703" y="492071"/>
+            <a:off x="4482548" y="1318723"/>
             <a:ext cx="522514" cy="534389"/>
           </a:xfrm>
           <a:prstGeom prst="ellipse">
@@ -3390,7 +3398,7 @@
         </p:nvSpPr>
         <p:spPr>
           <a:xfrm>
-            <a:off x="3309757" y="2105881"/>
+            <a:off x="6649738" y="1318723"/>
             <a:ext cx="522514" cy="534389"/>
           </a:xfrm>
           <a:prstGeom prst="ellipse">
@@ -3440,7 +3448,7 @@
         </p:nvSpPr>
         <p:spPr>
           <a:xfrm>
-            <a:off x="5279084" y="3763454"/>
+            <a:off x="7467274" y="2656850"/>
             <a:ext cx="522514" cy="534389"/>
           </a:xfrm>
           <a:prstGeom prst="ellipse">
@@ -3490,7 +3498,7 @@
         </p:nvSpPr>
         <p:spPr>
           <a:xfrm>
-            <a:off x="3246054" y="3363694"/>
+            <a:off x="3420507" y="2660838"/>
             <a:ext cx="522514" cy="534389"/>
           </a:xfrm>
           <a:prstGeom prst="ellipse">
@@ -3540,7 +3548,7 @@
         </p:nvSpPr>
         <p:spPr>
           <a:xfrm>
-            <a:off x="4815446" y="5668623"/>
+            <a:off x="6649738" y="3945259"/>
             <a:ext cx="522514" cy="534389"/>
           </a:xfrm>
           <a:prstGeom prst="ellipse">
@@ -3590,7 +3598,7 @@
         </p:nvSpPr>
         <p:spPr>
           <a:xfrm>
-            <a:off x="6977178" y="5132739"/>
+            <a:off x="4482548" y="3908608"/>
             <a:ext cx="522514" cy="534389"/>
           </a:xfrm>
           <a:prstGeom prst="ellipse">
@@ -3640,7 +3648,7 @@
         </p:nvSpPr>
         <p:spPr>
           <a:xfrm>
-            <a:off x="7238435" y="2262959"/>
+            <a:off x="5531426" y="2656572"/>
             <a:ext cx="522514" cy="534389"/>
           </a:xfrm>
           <a:prstGeom prst="ellipse">
@@ -3690,8 +3698,8 @@
         </p:nvSpPr>
         <p:spPr>
           <a:xfrm>
-            <a:off x="213756" y="142504"/>
-            <a:ext cx="3063834" cy="369332"/>
+            <a:off x="213755" y="142504"/>
+            <a:ext cx="5028593" cy="369332"/>
           </a:xfrm>
           <a:prstGeom prst="rect">
             <a:avLst/>
@@ -3718,7 +3726,7 @@
                   <a:srgbClr val="0070C0"/>
                 </a:solidFill>
               </a:rPr>
-              <a:t>- Weighted Edges</a:t>
+              <a:t>- STORTEST PATH EDGES</a:t>
             </a:r>
             <a:endParaRPr kumimoji="1" lang="zh-CN" altLang="en-US" dirty="0">
               <a:solidFill>
@@ -3739,13 +3747,15 @@
           </p:cNvPr>
           <p:cNvCxnSpPr>
             <a:cxnSpLocks/>
+            <a:stCxn id="4" idx="5"/>
+            <a:endCxn id="14" idx="1"/>
           </p:cNvCxnSpPr>
           <p:nvPr/>
         </p:nvCxnSpPr>
         <p:spPr>
-          <a:xfrm flipH="1">
-            <a:off x="3802085" y="1026460"/>
-            <a:ext cx="1274618" cy="1057283"/>
+          <a:xfrm>
+            <a:off x="4928542" y="1774853"/>
+            <a:ext cx="679404" cy="959978"/>
           </a:xfrm>
           <a:prstGeom prst="straightConnector1">
             <a:avLst/>
@@ -3780,14 +3790,15 @@
           </p:cNvPr>
           <p:cNvCxnSpPr>
             <a:cxnSpLocks/>
-            <a:endCxn id="14" idx="1"/>
+            <a:stCxn id="4" idx="6"/>
+            <a:endCxn id="7" idx="2"/>
           </p:cNvCxnSpPr>
           <p:nvPr/>
         </p:nvCxnSpPr>
         <p:spPr>
           <a:xfrm>
-            <a:off x="5685244" y="1026460"/>
-            <a:ext cx="1629711" cy="1314758"/>
+            <a:off x="5005062" y="1585918"/>
+            <a:ext cx="1644676" cy="0"/>
           </a:xfrm>
           <a:prstGeom prst="straightConnector1">
             <a:avLst/>
@@ -3822,13 +3833,15 @@
           </p:cNvPr>
           <p:cNvCxnSpPr>
             <a:cxnSpLocks/>
+            <a:stCxn id="7" idx="3"/>
+            <a:endCxn id="14" idx="7"/>
           </p:cNvCxnSpPr>
           <p:nvPr/>
         </p:nvCxnSpPr>
         <p:spPr>
           <a:xfrm flipH="1">
-            <a:off x="5801598" y="2689476"/>
-            <a:ext cx="1280802" cy="1147168"/>
+            <a:off x="5977420" y="1774853"/>
+            <a:ext cx="748838" cy="959978"/>
           </a:xfrm>
           <a:prstGeom prst="straightConnector1">
             <a:avLst/>
@@ -3863,13 +3876,15 @@
           </p:cNvPr>
           <p:cNvCxnSpPr>
             <a:cxnSpLocks/>
+            <a:stCxn id="7" idx="5"/>
+            <a:endCxn id="9" idx="0"/>
           </p:cNvCxnSpPr>
           <p:nvPr/>
         </p:nvCxnSpPr>
         <p:spPr>
-          <a:xfrm flipH="1">
-            <a:off x="7251043" y="2909455"/>
-            <a:ext cx="120070" cy="2073764"/>
+          <a:xfrm>
+            <a:off x="7095732" y="1774853"/>
+            <a:ext cx="632799" cy="881997"/>
           </a:xfrm>
           <a:prstGeom prst="straightConnector1">
             <a:avLst/>
@@ -3904,13 +3919,15 @@
           </p:cNvPr>
           <p:cNvCxnSpPr>
             <a:cxnSpLocks/>
+            <a:stCxn id="9" idx="4"/>
+            <a:endCxn id="12" idx="7"/>
           </p:cNvCxnSpPr>
           <p:nvPr/>
         </p:nvCxnSpPr>
         <p:spPr>
-          <a:xfrm flipV="1">
-            <a:off x="3842590" y="1146694"/>
-            <a:ext cx="1436494" cy="2282306"/>
+          <a:xfrm flipH="1">
+            <a:off x="7095732" y="3191239"/>
+            <a:ext cx="632799" cy="832279"/>
           </a:xfrm>
           <a:prstGeom prst="straightConnector1">
             <a:avLst/>
@@ -3945,13 +3962,15 @@
           </p:cNvPr>
           <p:cNvCxnSpPr>
             <a:cxnSpLocks/>
+            <a:stCxn id="14" idx="3"/>
+            <a:endCxn id="13" idx="7"/>
           </p:cNvCxnSpPr>
           <p:nvPr/>
         </p:nvCxnSpPr>
         <p:spPr>
           <a:xfrm flipH="1">
-            <a:off x="5389833" y="2797348"/>
-            <a:ext cx="1838284" cy="2960018"/>
+            <a:off x="4928542" y="3112702"/>
+            <a:ext cx="679404" cy="874165"/>
           </a:xfrm>
           <a:prstGeom prst="straightConnector1">
             <a:avLst/>
@@ -3986,13 +4005,15 @@
           </p:cNvPr>
           <p:cNvCxnSpPr>
             <a:cxnSpLocks/>
+            <a:stCxn id="11" idx="7"/>
+            <a:endCxn id="4" idx="3"/>
           </p:cNvCxnSpPr>
           <p:nvPr/>
         </p:nvCxnSpPr>
         <p:spPr>
-          <a:xfrm>
-            <a:off x="3823855" y="2614428"/>
-            <a:ext cx="1411024" cy="1250884"/>
+          <a:xfrm flipV="1">
+            <a:off x="3866501" y="1774853"/>
+            <a:ext cx="692567" cy="964244"/>
           </a:xfrm>
           <a:prstGeom prst="straightConnector1">
             <a:avLst/>
@@ -4027,13 +4048,15 @@
           </p:cNvPr>
           <p:cNvCxnSpPr>
             <a:cxnSpLocks/>
+            <a:stCxn id="14" idx="5"/>
+            <a:endCxn id="12" idx="1"/>
           </p:cNvCxnSpPr>
           <p:nvPr/>
         </p:nvCxnSpPr>
         <p:spPr>
           <a:xfrm>
-            <a:off x="3864182" y="2425252"/>
-            <a:ext cx="3218216" cy="12600"/>
+            <a:off x="5977420" y="3112702"/>
+            <a:ext cx="748838" cy="910816"/>
           </a:xfrm>
           <a:prstGeom prst="straightConnector1">
             <a:avLst/>
@@ -4068,13 +4091,14 @@
           </p:cNvPr>
           <p:cNvCxnSpPr>
             <a:cxnSpLocks/>
+            <a:endCxn id="11" idx="6"/>
           </p:cNvCxnSpPr>
           <p:nvPr/>
         </p:nvCxnSpPr>
         <p:spPr>
-          <a:xfrm flipH="1">
-            <a:off x="5190968" y="4362290"/>
-            <a:ext cx="277459" cy="1196857"/>
+          <a:xfrm flipH="1" flipV="1">
+            <a:off x="3943021" y="2928033"/>
+            <a:ext cx="1721361" cy="5146"/>
           </a:xfrm>
           <a:prstGeom prst="straightConnector1">
             <a:avLst/>
@@ -4109,13 +4133,14 @@
           </p:cNvPr>
           <p:cNvCxnSpPr>
             <a:cxnSpLocks/>
+            <a:endCxn id="13" idx="6"/>
           </p:cNvCxnSpPr>
           <p:nvPr/>
         </p:nvCxnSpPr>
         <p:spPr>
-          <a:xfrm>
-            <a:off x="3832271" y="3865312"/>
-            <a:ext cx="3144907" cy="1277345"/>
+          <a:xfrm flipH="1" flipV="1">
+            <a:off x="5005062" y="4175803"/>
+            <a:ext cx="1644676" cy="28045"/>
           </a:xfrm>
           <a:prstGeom prst="straightConnector1">
             <a:avLst/>
@@ -4150,13 +4175,15 @@
           </p:cNvPr>
           <p:cNvCxnSpPr>
             <a:cxnSpLocks/>
+            <a:stCxn id="14" idx="6"/>
+            <a:endCxn id="9" idx="2"/>
           </p:cNvCxnSpPr>
           <p:nvPr/>
         </p:nvCxnSpPr>
         <p:spPr>
-          <a:xfrm flipV="1">
-            <a:off x="5468427" y="5458203"/>
-            <a:ext cx="1385615" cy="467584"/>
+          <a:xfrm>
+            <a:off x="6053940" y="2923767"/>
+            <a:ext cx="1413334" cy="278"/>
           </a:xfrm>
           <a:prstGeom prst="straightConnector1">
             <a:avLst/>
@@ -4191,13 +4218,15 @@
           </p:cNvPr>
           <p:cNvCxnSpPr>
             <a:cxnSpLocks/>
+            <a:stCxn id="11" idx="5"/>
+            <a:endCxn id="13" idx="1"/>
           </p:cNvCxnSpPr>
           <p:nvPr/>
         </p:nvCxnSpPr>
         <p:spPr>
-          <a:xfrm flipH="1">
-            <a:off x="3883807" y="2539873"/>
-            <a:ext cx="3208910" cy="990985"/>
+          <a:xfrm>
+            <a:off x="3866501" y="3116968"/>
+            <a:ext cx="692567" cy="869899"/>
           </a:xfrm>
           <a:prstGeom prst="straightConnector1">
             <a:avLst/>
@@ -4235,7 +4264,7 @@
         </p:nvSpPr>
         <p:spPr>
           <a:xfrm>
-            <a:off x="3883807" y="1385863"/>
+            <a:off x="4617735" y="2547259"/>
             <a:ext cx="427511" cy="400110"/>
           </a:xfrm>
           <a:prstGeom prst="rect">
@@ -4279,7 +4308,95 @@
         </p:nvSpPr>
         <p:spPr>
           <a:xfrm>
-            <a:off x="6500099" y="1355046"/>
+            <a:off x="5705286" y="1207072"/>
+            <a:ext cx="427511" cy="400110"/>
+          </a:xfrm>
+          <a:prstGeom prst="rect">
+            <a:avLst/>
+          </a:prstGeom>
+          <a:noFill/>
+        </p:spPr>
+        <p:txBody>
+          <a:bodyPr wrap="square" rtlCol="0">
+            <a:spAutoFit/>
+          </a:bodyPr>
+          <a:lstStyle/>
+          <a:p>
+            <a:r>
+              <a:rPr kumimoji="1" lang="en-US" altLang="zh-CN" sz="2000" b="1" dirty="0">
+                <a:solidFill>
+                  <a:srgbClr val="0070C0"/>
+                </a:solidFill>
+              </a:rPr>
+              <a:t>2</a:t>
+            </a:r>
+            <a:endParaRPr kumimoji="1" lang="zh-CN" altLang="en-US" sz="2000" b="1" dirty="0">
+              <a:solidFill>
+                <a:srgbClr val="0070C0"/>
+              </a:solidFill>
+            </a:endParaRPr>
+          </a:p>
+        </p:txBody>
+      </p:sp>
+      <p:sp>
+        <p:nvSpPr>
+          <p:cNvPr id="85" name="文本框 84">
+            <a:extLst>
+              <a:ext uri="{FF2B5EF4-FFF2-40B4-BE49-F238E27FC236}">
+                <a16:creationId xmlns:a16="http://schemas.microsoft.com/office/drawing/2014/main" id="{AAD8D632-5E77-4B48-9D12-CE508113C66A}"/>
+              </a:ext>
+            </a:extLst>
+          </p:cNvPr>
+          <p:cNvSpPr txBox="1"/>
+          <p:nvPr/>
+        </p:nvSpPr>
+        <p:spPr>
+          <a:xfrm>
+            <a:off x="3866501" y="2004653"/>
+            <a:ext cx="427511" cy="400110"/>
+          </a:xfrm>
+          <a:prstGeom prst="rect">
+            <a:avLst/>
+          </a:prstGeom>
+          <a:noFill/>
+        </p:spPr>
+        <p:txBody>
+          <a:bodyPr wrap="square" rtlCol="0">
+            <a:spAutoFit/>
+          </a:bodyPr>
+          <a:lstStyle/>
+          <a:p>
+            <a:r>
+              <a:rPr kumimoji="1" lang="en-US" altLang="zh-CN" sz="2000" b="1" dirty="0">
+                <a:solidFill>
+                  <a:srgbClr val="0070C0"/>
+                </a:solidFill>
+              </a:rPr>
+              <a:t>4</a:t>
+            </a:r>
+            <a:endParaRPr kumimoji="1" lang="zh-CN" altLang="en-US" sz="2000" b="1" dirty="0">
+              <a:solidFill>
+                <a:srgbClr val="0070C0"/>
+              </a:solidFill>
+            </a:endParaRPr>
+          </a:p>
+        </p:txBody>
+      </p:sp>
+      <p:sp>
+        <p:nvSpPr>
+          <p:cNvPr id="86" name="文本框 85">
+            <a:extLst>
+              <a:ext uri="{FF2B5EF4-FFF2-40B4-BE49-F238E27FC236}">
+                <a16:creationId xmlns:a16="http://schemas.microsoft.com/office/drawing/2014/main" id="{585D858A-DC8C-9043-BBC0-0C7570E09B9C}"/>
+              </a:ext>
+            </a:extLst>
+          </p:cNvPr>
+          <p:cNvSpPr txBox="1"/>
+          <p:nvPr/>
+        </p:nvSpPr>
+        <p:spPr>
+          <a:xfrm>
+            <a:off x="5242349" y="2029395"/>
             <a:ext cx="427511" cy="400110"/>
           </a:xfrm>
           <a:prstGeom prst="rect">
@@ -4311,10 +4428,10 @@
       </p:sp>
       <p:sp>
         <p:nvSpPr>
-          <p:cNvPr id="85" name="文本框 84">
-            <a:extLst>
-              <a:ext uri="{FF2B5EF4-FFF2-40B4-BE49-F238E27FC236}">
-                <a16:creationId xmlns:a16="http://schemas.microsoft.com/office/drawing/2014/main" id="{AAD8D632-5E77-4B48-9D12-CE508113C66A}"/>
+          <p:cNvPr id="87" name="文本框 86">
+            <a:extLst>
+              <a:ext uri="{FF2B5EF4-FFF2-40B4-BE49-F238E27FC236}">
+                <a16:creationId xmlns:a16="http://schemas.microsoft.com/office/drawing/2014/main" id="{A22A7D8C-E438-2444-94C4-F1A46A339D95}"/>
               </a:ext>
             </a:extLst>
           </p:cNvPr>
@@ -4323,7 +4440,7 @@
         </p:nvSpPr>
         <p:spPr>
           <a:xfrm>
-            <a:off x="4964138" y="1525801"/>
+            <a:off x="6318900" y="3303552"/>
             <a:ext cx="427511" cy="400110"/>
           </a:xfrm>
           <a:prstGeom prst="rect">
@@ -4355,10 +4472,10 @@
       </p:sp>
       <p:sp>
         <p:nvSpPr>
-          <p:cNvPr id="86" name="文本框 85">
-            <a:extLst>
-              <a:ext uri="{FF2B5EF4-FFF2-40B4-BE49-F238E27FC236}">
-                <a16:creationId xmlns:a16="http://schemas.microsoft.com/office/drawing/2014/main" id="{585D858A-DC8C-9043-BBC0-0C7570E09B9C}"/>
+          <p:cNvPr id="92" name="文本框 91">
+            <a:extLst>
+              <a:ext uri="{FF2B5EF4-FFF2-40B4-BE49-F238E27FC236}">
+                <a16:creationId xmlns:a16="http://schemas.microsoft.com/office/drawing/2014/main" id="{2C10DFAD-DDA4-AC47-A5FA-D16F3EE5183A}"/>
               </a:ext>
             </a:extLst>
           </p:cNvPr>
@@ -4367,7 +4484,183 @@
         </p:nvSpPr>
         <p:spPr>
           <a:xfrm>
-            <a:off x="5177893" y="2737138"/>
+            <a:off x="6118889" y="1952587"/>
+            <a:ext cx="427511" cy="400110"/>
+          </a:xfrm>
+          <a:prstGeom prst="rect">
+            <a:avLst/>
+          </a:prstGeom>
+          <a:noFill/>
+        </p:spPr>
+        <p:txBody>
+          <a:bodyPr wrap="square" rtlCol="0">
+            <a:spAutoFit/>
+          </a:bodyPr>
+          <a:lstStyle/>
+          <a:p>
+            <a:r>
+              <a:rPr kumimoji="1" lang="en-US" altLang="zh-CN" sz="2000" b="1" dirty="0">
+                <a:solidFill>
+                  <a:srgbClr val="0070C0"/>
+                </a:solidFill>
+              </a:rPr>
+              <a:t>3</a:t>
+            </a:r>
+            <a:endParaRPr kumimoji="1" lang="zh-CN" altLang="en-US" sz="2000" b="1" dirty="0">
+              <a:solidFill>
+                <a:srgbClr val="0070C0"/>
+              </a:solidFill>
+            </a:endParaRPr>
+          </a:p>
+        </p:txBody>
+      </p:sp>
+      <p:sp>
+        <p:nvSpPr>
+          <p:cNvPr id="93" name="文本框 92">
+            <a:extLst>
+              <a:ext uri="{FF2B5EF4-FFF2-40B4-BE49-F238E27FC236}">
+                <a16:creationId xmlns:a16="http://schemas.microsoft.com/office/drawing/2014/main" id="{5BEB6626-958C-BD4C-A5D7-E564CA8A103F}"/>
+              </a:ext>
+            </a:extLst>
+          </p:cNvPr>
+          <p:cNvSpPr txBox="1"/>
+          <p:nvPr/>
+        </p:nvSpPr>
+        <p:spPr>
+          <a:xfrm>
+            <a:off x="7301020" y="1871101"/>
+            <a:ext cx="632799" cy="400110"/>
+          </a:xfrm>
+          <a:prstGeom prst="rect">
+            <a:avLst/>
+          </a:prstGeom>
+          <a:noFill/>
+        </p:spPr>
+        <p:txBody>
+          <a:bodyPr wrap="square" rtlCol="0">
+            <a:spAutoFit/>
+          </a:bodyPr>
+          <a:lstStyle/>
+          <a:p>
+            <a:r>
+              <a:rPr kumimoji="1" lang="en-US" altLang="zh-CN" sz="2000" b="1" dirty="0">
+                <a:solidFill>
+                  <a:srgbClr val="0070C0"/>
+                </a:solidFill>
+              </a:rPr>
+              <a:t>10</a:t>
+            </a:r>
+            <a:endParaRPr kumimoji="1" lang="zh-CN" altLang="en-US" sz="2000" b="1" dirty="0">
+              <a:solidFill>
+                <a:srgbClr val="0070C0"/>
+              </a:solidFill>
+            </a:endParaRPr>
+          </a:p>
+        </p:txBody>
+      </p:sp>
+      <p:sp>
+        <p:nvSpPr>
+          <p:cNvPr id="94" name="文本框 93">
+            <a:extLst>
+              <a:ext uri="{FF2B5EF4-FFF2-40B4-BE49-F238E27FC236}">
+                <a16:creationId xmlns:a16="http://schemas.microsoft.com/office/drawing/2014/main" id="{10E6D250-A62B-874A-BC6A-053C7CE7F230}"/>
+              </a:ext>
+            </a:extLst>
+          </p:cNvPr>
+          <p:cNvSpPr txBox="1"/>
+          <p:nvPr/>
+        </p:nvSpPr>
+        <p:spPr>
+          <a:xfrm>
+            <a:off x="4978199" y="3266901"/>
+            <a:ext cx="427511" cy="400110"/>
+          </a:xfrm>
+          <a:prstGeom prst="rect">
+            <a:avLst/>
+          </a:prstGeom>
+          <a:noFill/>
+        </p:spPr>
+        <p:txBody>
+          <a:bodyPr wrap="square" rtlCol="0">
+            <a:spAutoFit/>
+          </a:bodyPr>
+          <a:lstStyle/>
+          <a:p>
+            <a:r>
+              <a:rPr kumimoji="1" lang="en-US" altLang="zh-CN" sz="2000" b="1" dirty="0">
+                <a:solidFill>
+                  <a:srgbClr val="0070C0"/>
+                </a:solidFill>
+              </a:rPr>
+              <a:t>8</a:t>
+            </a:r>
+            <a:endParaRPr kumimoji="1" lang="zh-CN" altLang="en-US" sz="2000" b="1" dirty="0">
+              <a:solidFill>
+                <a:srgbClr val="0070C0"/>
+              </a:solidFill>
+            </a:endParaRPr>
+          </a:p>
+        </p:txBody>
+      </p:sp>
+      <p:sp>
+        <p:nvSpPr>
+          <p:cNvPr id="95" name="文本框 94">
+            <a:extLst>
+              <a:ext uri="{FF2B5EF4-FFF2-40B4-BE49-F238E27FC236}">
+                <a16:creationId xmlns:a16="http://schemas.microsoft.com/office/drawing/2014/main" id="{C955F167-FA1F-8D4A-BEE1-4E18C3DAC3DC}"/>
+              </a:ext>
+            </a:extLst>
+          </p:cNvPr>
+          <p:cNvSpPr txBox="1"/>
+          <p:nvPr/>
+        </p:nvSpPr>
+        <p:spPr>
+          <a:xfrm>
+            <a:off x="3898471" y="3387995"/>
+            <a:ext cx="427511" cy="400110"/>
+          </a:xfrm>
+          <a:prstGeom prst="rect">
+            <a:avLst/>
+          </a:prstGeom>
+          <a:noFill/>
+        </p:spPr>
+        <p:txBody>
+          <a:bodyPr wrap="square" rtlCol="0">
+            <a:spAutoFit/>
+          </a:bodyPr>
+          <a:lstStyle/>
+          <a:p>
+            <a:r>
+              <a:rPr kumimoji="1" lang="en-US" altLang="zh-CN" sz="2000" b="1" dirty="0">
+                <a:solidFill>
+                  <a:srgbClr val="0070C0"/>
+                </a:solidFill>
+              </a:rPr>
+              <a:t>5</a:t>
+            </a:r>
+            <a:endParaRPr kumimoji="1" lang="zh-CN" altLang="en-US" sz="2000" b="1" dirty="0">
+              <a:solidFill>
+                <a:srgbClr val="0070C0"/>
+              </a:solidFill>
+            </a:endParaRPr>
+          </a:p>
+        </p:txBody>
+      </p:sp>
+      <p:sp>
+        <p:nvSpPr>
+          <p:cNvPr id="96" name="文本框 95">
+            <a:extLst>
+              <a:ext uri="{FF2B5EF4-FFF2-40B4-BE49-F238E27FC236}">
+                <a16:creationId xmlns:a16="http://schemas.microsoft.com/office/drawing/2014/main" id="{A0969ED9-8911-A046-9609-88E26E2988A0}"/>
+              </a:ext>
+            </a:extLst>
+          </p:cNvPr>
+          <p:cNvSpPr txBox="1"/>
+          <p:nvPr/>
+        </p:nvSpPr>
+        <p:spPr>
+          <a:xfrm>
+            <a:off x="6656824" y="2562254"/>
             <a:ext cx="427511" cy="400110"/>
           </a:xfrm>
           <a:prstGeom prst="rect">
@@ -4399,10 +4692,10 @@
       </p:sp>
       <p:sp>
         <p:nvSpPr>
-          <p:cNvPr id="87" name="文本框 86">
-            <a:extLst>
-              <a:ext uri="{FF2B5EF4-FFF2-40B4-BE49-F238E27FC236}">
-                <a16:creationId xmlns:a16="http://schemas.microsoft.com/office/drawing/2014/main" id="{A22A7D8C-E438-2444-94C4-F1A46A339D95}"/>
+          <p:cNvPr id="97" name="文本框 96">
+            <a:extLst>
+              <a:ext uri="{FF2B5EF4-FFF2-40B4-BE49-F238E27FC236}">
+                <a16:creationId xmlns:a16="http://schemas.microsoft.com/office/drawing/2014/main" id="{D11B0202-8C0A-DF48-8F1C-40EE685B249F}"/>
               </a:ext>
             </a:extLst>
           </p:cNvPr>
@@ -4411,7 +4704,7 @@
         </p:nvSpPr>
         <p:spPr>
           <a:xfrm>
-            <a:off x="4944096" y="3318870"/>
+            <a:off x="7395439" y="3482332"/>
             <a:ext cx="427511" cy="400110"/>
           </a:xfrm>
           <a:prstGeom prst="rect">
@@ -4431,7 +4724,7 @@
                   <a:srgbClr val="0070C0"/>
                 </a:solidFill>
               </a:rPr>
-              <a:t>4</a:t>
+              <a:t>6</a:t>
             </a:r>
             <a:endParaRPr kumimoji="1" lang="zh-CN" altLang="en-US" sz="2000" b="1" dirty="0">
               <a:solidFill>
@@ -4443,10 +4736,10 @@
       </p:sp>
       <p:sp>
         <p:nvSpPr>
-          <p:cNvPr id="92" name="文本框 91">
-            <a:extLst>
-              <a:ext uri="{FF2B5EF4-FFF2-40B4-BE49-F238E27FC236}">
-                <a16:creationId xmlns:a16="http://schemas.microsoft.com/office/drawing/2014/main" id="{2C10DFAD-DDA4-AC47-A5FA-D16F3EE5183A}"/>
+          <p:cNvPr id="100" name="文本框 99">
+            <a:extLst>
+              <a:ext uri="{FF2B5EF4-FFF2-40B4-BE49-F238E27FC236}">
+                <a16:creationId xmlns:a16="http://schemas.microsoft.com/office/drawing/2014/main" id="{9ECA1526-212F-5C42-AF2B-77B53F528B1C}"/>
               </a:ext>
             </a:extLst>
           </p:cNvPr>
@@ -4455,95 +4748,7 @@
         </p:nvSpPr>
         <p:spPr>
           <a:xfrm>
-            <a:off x="5938326" y="3141922"/>
-            <a:ext cx="427511" cy="400110"/>
-          </a:xfrm>
-          <a:prstGeom prst="rect">
-            <a:avLst/>
-          </a:prstGeom>
-          <a:noFill/>
-        </p:spPr>
-        <p:txBody>
-          <a:bodyPr wrap="square" rtlCol="0">
-            <a:spAutoFit/>
-          </a:bodyPr>
-          <a:lstStyle/>
-          <a:p>
-            <a:r>
-              <a:rPr kumimoji="1" lang="en-US" altLang="zh-CN" sz="2000" b="1" dirty="0">
-                <a:solidFill>
-                  <a:srgbClr val="0070C0"/>
-                </a:solidFill>
-              </a:rPr>
-              <a:t>2</a:t>
-            </a:r>
-            <a:endParaRPr kumimoji="1" lang="zh-CN" altLang="en-US" sz="2000" b="1" dirty="0">
-              <a:solidFill>
-                <a:srgbClr val="0070C0"/>
-              </a:solidFill>
-            </a:endParaRPr>
-          </a:p>
-        </p:txBody>
-      </p:sp>
-      <p:sp>
-        <p:nvSpPr>
-          <p:cNvPr id="93" name="文本框 92">
-            <a:extLst>
-              <a:ext uri="{FF2B5EF4-FFF2-40B4-BE49-F238E27FC236}">
-                <a16:creationId xmlns:a16="http://schemas.microsoft.com/office/drawing/2014/main" id="{5BEB6626-958C-BD4C-A5D7-E564CA8A103F}"/>
-              </a:ext>
-            </a:extLst>
-          </p:cNvPr>
-          <p:cNvSpPr txBox="1"/>
-          <p:nvPr/>
-        </p:nvSpPr>
-        <p:spPr>
-          <a:xfrm>
-            <a:off x="7285936" y="4003793"/>
-            <a:ext cx="427511" cy="400110"/>
-          </a:xfrm>
-          <a:prstGeom prst="rect">
-            <a:avLst/>
-          </a:prstGeom>
-          <a:noFill/>
-        </p:spPr>
-        <p:txBody>
-          <a:bodyPr wrap="square" rtlCol="0">
-            <a:spAutoFit/>
-          </a:bodyPr>
-          <a:lstStyle/>
-          <a:p>
-            <a:r>
-              <a:rPr kumimoji="1" lang="en-US" altLang="zh-CN" sz="2000" b="1" dirty="0">
-                <a:solidFill>
-                  <a:srgbClr val="0070C0"/>
-                </a:solidFill>
-              </a:rPr>
-              <a:t>8</a:t>
-            </a:r>
-            <a:endParaRPr kumimoji="1" lang="zh-CN" altLang="en-US" sz="2000" b="1" dirty="0">
-              <a:solidFill>
-                <a:srgbClr val="0070C0"/>
-              </a:solidFill>
-            </a:endParaRPr>
-          </a:p>
-        </p:txBody>
-      </p:sp>
-      <p:sp>
-        <p:nvSpPr>
-          <p:cNvPr id="94" name="文本框 93">
-            <a:extLst>
-              <a:ext uri="{FF2B5EF4-FFF2-40B4-BE49-F238E27FC236}">
-                <a16:creationId xmlns:a16="http://schemas.microsoft.com/office/drawing/2014/main" id="{10E6D250-A62B-874A-BC6A-053C7CE7F230}"/>
-              </a:ext>
-            </a:extLst>
-          </p:cNvPr>
-          <p:cNvSpPr txBox="1"/>
-          <p:nvPr/>
-        </p:nvSpPr>
-        <p:spPr>
-          <a:xfrm>
-            <a:off x="6076884" y="5677670"/>
+            <a:off x="5639052" y="4173856"/>
             <a:ext cx="427511" cy="400110"/>
           </a:xfrm>
           <a:prstGeom prst="rect">
@@ -4564,182 +4769,6 @@
                 </a:solidFill>
               </a:rPr>
               <a:t>1</a:t>
-            </a:r>
-            <a:endParaRPr kumimoji="1" lang="zh-CN" altLang="en-US" sz="2000" b="1" dirty="0">
-              <a:solidFill>
-                <a:srgbClr val="0070C0"/>
-              </a:solidFill>
-            </a:endParaRPr>
-          </a:p>
-        </p:txBody>
-      </p:sp>
-      <p:sp>
-        <p:nvSpPr>
-          <p:cNvPr id="95" name="文本框 94">
-            <a:extLst>
-              <a:ext uri="{FF2B5EF4-FFF2-40B4-BE49-F238E27FC236}">
-                <a16:creationId xmlns:a16="http://schemas.microsoft.com/office/drawing/2014/main" id="{C955F167-FA1F-8D4A-BEE1-4E18C3DAC3DC}"/>
-              </a:ext>
-            </a:extLst>
-          </p:cNvPr>
-          <p:cNvSpPr txBox="1"/>
-          <p:nvPr/>
-        </p:nvSpPr>
-        <p:spPr>
-          <a:xfrm>
-            <a:off x="6258435" y="4888531"/>
-            <a:ext cx="427511" cy="400110"/>
-          </a:xfrm>
-          <a:prstGeom prst="rect">
-            <a:avLst/>
-          </a:prstGeom>
-          <a:noFill/>
-        </p:spPr>
-        <p:txBody>
-          <a:bodyPr wrap="square" rtlCol="0">
-            <a:spAutoFit/>
-          </a:bodyPr>
-          <a:lstStyle/>
-          <a:p>
-            <a:r>
-              <a:rPr kumimoji="1" lang="en-US" altLang="zh-CN" sz="2000" b="1" dirty="0">
-                <a:solidFill>
-                  <a:srgbClr val="0070C0"/>
-                </a:solidFill>
-              </a:rPr>
-              <a:t>5</a:t>
-            </a:r>
-            <a:endParaRPr kumimoji="1" lang="zh-CN" altLang="en-US" sz="2000" b="1" dirty="0">
-              <a:solidFill>
-                <a:srgbClr val="0070C0"/>
-              </a:solidFill>
-            </a:endParaRPr>
-          </a:p>
-        </p:txBody>
-      </p:sp>
-      <p:sp>
-        <p:nvSpPr>
-          <p:cNvPr id="96" name="文本框 95">
-            <a:extLst>
-              <a:ext uri="{FF2B5EF4-FFF2-40B4-BE49-F238E27FC236}">
-                <a16:creationId xmlns:a16="http://schemas.microsoft.com/office/drawing/2014/main" id="{A0969ED9-8911-A046-9609-88E26E2988A0}"/>
-              </a:ext>
-            </a:extLst>
-          </p:cNvPr>
-          <p:cNvSpPr txBox="1"/>
-          <p:nvPr/>
-        </p:nvSpPr>
-        <p:spPr>
-          <a:xfrm>
-            <a:off x="5358923" y="2060812"/>
-            <a:ext cx="427511" cy="400110"/>
-          </a:xfrm>
-          <a:prstGeom prst="rect">
-            <a:avLst/>
-          </a:prstGeom>
-          <a:noFill/>
-        </p:spPr>
-        <p:txBody>
-          <a:bodyPr wrap="square" rtlCol="0">
-            <a:spAutoFit/>
-          </a:bodyPr>
-          <a:lstStyle/>
-          <a:p>
-            <a:r>
-              <a:rPr kumimoji="1" lang="en-US" altLang="zh-CN" sz="2000" b="1" dirty="0">
-                <a:solidFill>
-                  <a:srgbClr val="0070C0"/>
-                </a:solidFill>
-              </a:rPr>
-              <a:t>3</a:t>
-            </a:r>
-            <a:endParaRPr kumimoji="1" lang="zh-CN" altLang="en-US" sz="2000" b="1" dirty="0">
-              <a:solidFill>
-                <a:srgbClr val="0070C0"/>
-              </a:solidFill>
-            </a:endParaRPr>
-          </a:p>
-        </p:txBody>
-      </p:sp>
-      <p:sp>
-        <p:nvSpPr>
-          <p:cNvPr id="97" name="文本框 96">
-            <a:extLst>
-              <a:ext uri="{FF2B5EF4-FFF2-40B4-BE49-F238E27FC236}">
-                <a16:creationId xmlns:a16="http://schemas.microsoft.com/office/drawing/2014/main" id="{D11B0202-8C0A-DF48-8F1C-40EE685B249F}"/>
-              </a:ext>
-            </a:extLst>
-          </p:cNvPr>
-          <p:cNvSpPr txBox="1"/>
-          <p:nvPr/>
-        </p:nvSpPr>
-        <p:spPr>
-          <a:xfrm>
-            <a:off x="6365837" y="4092719"/>
-            <a:ext cx="427511" cy="400110"/>
-          </a:xfrm>
-          <a:prstGeom prst="rect">
-            <a:avLst/>
-          </a:prstGeom>
-          <a:noFill/>
-        </p:spPr>
-        <p:txBody>
-          <a:bodyPr wrap="square" rtlCol="0">
-            <a:spAutoFit/>
-          </a:bodyPr>
-          <a:lstStyle/>
-          <a:p>
-            <a:r>
-              <a:rPr kumimoji="1" lang="en-US" altLang="zh-CN" sz="2000" b="1" dirty="0">
-                <a:solidFill>
-                  <a:srgbClr val="0070C0"/>
-                </a:solidFill>
-              </a:rPr>
-              <a:t>4</a:t>
-            </a:r>
-            <a:endParaRPr kumimoji="1" lang="zh-CN" altLang="en-US" sz="2000" b="1" dirty="0">
-              <a:solidFill>
-                <a:srgbClr val="0070C0"/>
-              </a:solidFill>
-            </a:endParaRPr>
-          </a:p>
-        </p:txBody>
-      </p:sp>
-      <p:sp>
-        <p:nvSpPr>
-          <p:cNvPr id="100" name="文本框 99">
-            <a:extLst>
-              <a:ext uri="{FF2B5EF4-FFF2-40B4-BE49-F238E27FC236}">
-                <a16:creationId xmlns:a16="http://schemas.microsoft.com/office/drawing/2014/main" id="{9ECA1526-212F-5C42-AF2B-77B53F528B1C}"/>
-              </a:ext>
-            </a:extLst>
-          </p:cNvPr>
-          <p:cNvSpPr txBox="1"/>
-          <p:nvPr/>
-        </p:nvSpPr>
-        <p:spPr>
-          <a:xfrm>
-            <a:off x="4931412" y="5058092"/>
-            <a:ext cx="427511" cy="400110"/>
-          </a:xfrm>
-          <a:prstGeom prst="rect">
-            <a:avLst/>
-          </a:prstGeom>
-          <a:noFill/>
-        </p:spPr>
-        <p:txBody>
-          <a:bodyPr wrap="square" rtlCol="0">
-            <a:spAutoFit/>
-          </a:bodyPr>
-          <a:lstStyle/>
-          <a:p>
-            <a:r>
-              <a:rPr kumimoji="1" lang="en-US" altLang="zh-CN" sz="2000" b="1" dirty="0">
-                <a:solidFill>
-                  <a:srgbClr val="0070C0"/>
-                </a:solidFill>
-              </a:rPr>
-              <a:t>6</a:t>
             </a:r>
             <a:endParaRPr kumimoji="1" lang="zh-CN" altLang="en-US" sz="2000" b="1" dirty="0">
               <a:solidFill>

--- a/assets/visualization.pptx
+++ b/assets/visualization.pptx
@@ -6,6 +6,7 @@
   </p:sldMasterIdLst>
   <p:sldIdLst>
     <p:sldId id="256" r:id="rId2"/>
+    <p:sldId id="257" r:id="rId3"/>
   </p:sldIdLst>
   <p:sldSz cx="12192000" cy="6858000"/>
   <p:notesSz cx="6858000" cy="9144000"/>
@@ -2869,7 +2870,7 @@
               <a:t>qindagang</a:t>
             </a:r>
             <a:r>
-              <a:rPr kumimoji="1" lang="en-US" altLang="zh-CN"/>
+              <a:rPr kumimoji="1" lang="en-US" altLang="zh-CN" dirty="0"/>
               <a:t>/Data-Structures-and-Algorithm-Analysis-in-TS</a:t>
             </a:r>
             <a:endParaRPr kumimoji="1" lang="zh-CN" altLang="en-US" dirty="0"/>
@@ -4791,6 +4792,1265 @@
 </p:sld>
 </file>
 
+<file path=ppt/slides/slide2.xml><?xml version="1.0" encoding="utf-8"?>
+<p:sld xmlns:a="http://schemas.openxmlformats.org/drawingml/2006/main" xmlns:r="http://schemas.openxmlformats.org/officeDocument/2006/relationships" xmlns:p="http://schemas.openxmlformats.org/presentationml/2006/main">
+  <p:cSld>
+    <p:spTree>
+      <p:nvGrpSpPr>
+        <p:cNvPr id="1" name=""/>
+        <p:cNvGrpSpPr/>
+        <p:nvPr/>
+      </p:nvGrpSpPr>
+      <p:grpSpPr>
+        <a:xfrm>
+          <a:off x="0" y="0"/>
+          <a:ext cx="0" cy="0"/>
+          <a:chOff x="0" y="0"/>
+          <a:chExt cx="0" cy="0"/>
+        </a:xfrm>
+      </p:grpSpPr>
+      <p:sp>
+        <p:nvSpPr>
+          <p:cNvPr id="4" name="椭圆 3">
+            <a:extLst>
+              <a:ext uri="{FF2B5EF4-FFF2-40B4-BE49-F238E27FC236}">
+                <a16:creationId xmlns:a16="http://schemas.microsoft.com/office/drawing/2014/main" id="{DE70EE2F-EB0E-6F47-A6B1-2A297E2EE471}"/>
+              </a:ext>
+            </a:extLst>
+          </p:cNvPr>
+          <p:cNvSpPr/>
+          <p:nvPr/>
+        </p:nvSpPr>
+        <p:spPr>
+          <a:xfrm>
+            <a:off x="2466794" y="1268853"/>
+            <a:ext cx="522514" cy="534389"/>
+          </a:xfrm>
+          <a:prstGeom prst="ellipse">
+            <a:avLst/>
+          </a:prstGeom>
+        </p:spPr>
+        <p:style>
+          <a:lnRef idx="2">
+            <a:schemeClr val="accent1">
+              <a:shade val="50000"/>
+            </a:schemeClr>
+          </a:lnRef>
+          <a:fillRef idx="1">
+            <a:schemeClr val="accent1"/>
+          </a:fillRef>
+          <a:effectRef idx="0">
+            <a:schemeClr val="accent1"/>
+          </a:effectRef>
+          <a:fontRef idx="minor">
+            <a:schemeClr val="lt1"/>
+          </a:fontRef>
+        </p:style>
+        <p:txBody>
+          <a:bodyPr rtlCol="0" anchor="ctr"/>
+          <a:lstStyle/>
+          <a:p>
+            <a:pPr algn="ctr"/>
+            <a:r>
+              <a:rPr kumimoji="1" lang="en-US" altLang="zh-CN" dirty="0"/>
+              <a:t>A</a:t>
+            </a:r>
+            <a:endParaRPr kumimoji="1" lang="zh-CN" altLang="en-US" dirty="0"/>
+          </a:p>
+        </p:txBody>
+      </p:sp>
+      <p:sp>
+        <p:nvSpPr>
+          <p:cNvPr id="7" name="椭圆 6">
+            <a:extLst>
+              <a:ext uri="{FF2B5EF4-FFF2-40B4-BE49-F238E27FC236}">
+                <a16:creationId xmlns:a16="http://schemas.microsoft.com/office/drawing/2014/main" id="{0BE1B618-A039-7545-B7E8-F5BF4144ACE5}"/>
+              </a:ext>
+            </a:extLst>
+          </p:cNvPr>
+          <p:cNvSpPr/>
+          <p:nvPr/>
+        </p:nvSpPr>
+        <p:spPr>
+          <a:xfrm>
+            <a:off x="4453804" y="1289894"/>
+            <a:ext cx="522514" cy="534389"/>
+          </a:xfrm>
+          <a:prstGeom prst="ellipse">
+            <a:avLst/>
+          </a:prstGeom>
+        </p:spPr>
+        <p:style>
+          <a:lnRef idx="2">
+            <a:schemeClr val="accent1">
+              <a:shade val="50000"/>
+            </a:schemeClr>
+          </a:lnRef>
+          <a:fillRef idx="1">
+            <a:schemeClr val="accent1"/>
+          </a:fillRef>
+          <a:effectRef idx="0">
+            <a:schemeClr val="accent1"/>
+          </a:effectRef>
+          <a:fontRef idx="minor">
+            <a:schemeClr val="lt1"/>
+          </a:fontRef>
+        </p:style>
+        <p:txBody>
+          <a:bodyPr rtlCol="0" anchor="ctr"/>
+          <a:lstStyle/>
+          <a:p>
+            <a:pPr algn="ctr"/>
+            <a:r>
+              <a:rPr kumimoji="1" lang="en-US" altLang="zh-CN" dirty="0"/>
+              <a:t>B</a:t>
+            </a:r>
+            <a:endParaRPr kumimoji="1" lang="zh-CN" altLang="en-US" dirty="0"/>
+          </a:p>
+        </p:txBody>
+      </p:sp>
+      <p:sp>
+        <p:nvSpPr>
+          <p:cNvPr id="9" name="椭圆 8">
+            <a:extLst>
+              <a:ext uri="{FF2B5EF4-FFF2-40B4-BE49-F238E27FC236}">
+                <a16:creationId xmlns:a16="http://schemas.microsoft.com/office/drawing/2014/main" id="{23C0A51A-3E8A-964F-9433-32D4EA9C2205}"/>
+              </a:ext>
+            </a:extLst>
+          </p:cNvPr>
+          <p:cNvSpPr/>
+          <p:nvPr/>
+        </p:nvSpPr>
+        <p:spPr>
+          <a:xfrm>
+            <a:off x="2466794" y="4357333"/>
+            <a:ext cx="522514" cy="534389"/>
+          </a:xfrm>
+          <a:prstGeom prst="ellipse">
+            <a:avLst/>
+          </a:prstGeom>
+        </p:spPr>
+        <p:style>
+          <a:lnRef idx="2">
+            <a:schemeClr val="accent1">
+              <a:shade val="50000"/>
+            </a:schemeClr>
+          </a:lnRef>
+          <a:fillRef idx="1">
+            <a:schemeClr val="accent1"/>
+          </a:fillRef>
+          <a:effectRef idx="0">
+            <a:schemeClr val="accent1"/>
+          </a:effectRef>
+          <a:fontRef idx="minor">
+            <a:schemeClr val="lt1"/>
+          </a:fontRef>
+        </p:style>
+        <p:txBody>
+          <a:bodyPr rtlCol="0" anchor="ctr"/>
+          <a:lstStyle/>
+          <a:p>
+            <a:pPr algn="ctr"/>
+            <a:r>
+              <a:rPr kumimoji="1" lang="en-US" altLang="zh-CN" dirty="0"/>
+              <a:t>E</a:t>
+            </a:r>
+            <a:endParaRPr kumimoji="1" lang="zh-CN" altLang="en-US" dirty="0"/>
+          </a:p>
+        </p:txBody>
+      </p:sp>
+      <p:sp>
+        <p:nvSpPr>
+          <p:cNvPr id="11" name="椭圆 10">
+            <a:extLst>
+              <a:ext uri="{FF2B5EF4-FFF2-40B4-BE49-F238E27FC236}">
+                <a16:creationId xmlns:a16="http://schemas.microsoft.com/office/drawing/2014/main" id="{3AF5C068-0B69-1D4B-9F60-CFCFF6CB7466}"/>
+              </a:ext>
+            </a:extLst>
+          </p:cNvPr>
+          <p:cNvSpPr/>
+          <p:nvPr/>
+        </p:nvSpPr>
+        <p:spPr>
+          <a:xfrm>
+            <a:off x="2466794" y="2826546"/>
+            <a:ext cx="522514" cy="534389"/>
+          </a:xfrm>
+          <a:prstGeom prst="ellipse">
+            <a:avLst/>
+          </a:prstGeom>
+        </p:spPr>
+        <p:style>
+          <a:lnRef idx="2">
+            <a:schemeClr val="accent1">
+              <a:shade val="50000"/>
+            </a:schemeClr>
+          </a:lnRef>
+          <a:fillRef idx="1">
+            <a:schemeClr val="accent1"/>
+          </a:fillRef>
+          <a:effectRef idx="0">
+            <a:schemeClr val="accent1"/>
+          </a:effectRef>
+          <a:fontRef idx="minor">
+            <a:schemeClr val="lt1"/>
+          </a:fontRef>
+        </p:style>
+        <p:txBody>
+          <a:bodyPr rtlCol="0" anchor="ctr"/>
+          <a:lstStyle/>
+          <a:p>
+            <a:pPr algn="ctr"/>
+            <a:r>
+              <a:rPr kumimoji="1" lang="en-US" altLang="zh-CN" dirty="0"/>
+              <a:t>D</a:t>
+            </a:r>
+            <a:endParaRPr kumimoji="1" lang="zh-CN" altLang="en-US" dirty="0"/>
+          </a:p>
+        </p:txBody>
+      </p:sp>
+      <p:sp>
+        <p:nvSpPr>
+          <p:cNvPr id="12" name="椭圆 11">
+            <a:extLst>
+              <a:ext uri="{FF2B5EF4-FFF2-40B4-BE49-F238E27FC236}">
+                <a16:creationId xmlns:a16="http://schemas.microsoft.com/office/drawing/2014/main" id="{DAFB89A5-7EFE-4E4D-BE77-6D4F3402771E}"/>
+              </a:ext>
+            </a:extLst>
+          </p:cNvPr>
+          <p:cNvSpPr/>
+          <p:nvPr/>
+        </p:nvSpPr>
+        <p:spPr>
+          <a:xfrm>
+            <a:off x="7054826" y="1289894"/>
+            <a:ext cx="522514" cy="534389"/>
+          </a:xfrm>
+          <a:prstGeom prst="ellipse">
+            <a:avLst/>
+          </a:prstGeom>
+        </p:spPr>
+        <p:style>
+          <a:lnRef idx="2">
+            <a:schemeClr val="accent1">
+              <a:shade val="50000"/>
+            </a:schemeClr>
+          </a:lnRef>
+          <a:fillRef idx="1">
+            <a:schemeClr val="accent1"/>
+          </a:fillRef>
+          <a:effectRef idx="0">
+            <a:schemeClr val="accent1"/>
+          </a:effectRef>
+          <a:fontRef idx="minor">
+            <a:schemeClr val="lt1"/>
+          </a:fontRef>
+        </p:style>
+        <p:txBody>
+          <a:bodyPr rtlCol="0" anchor="ctr"/>
+          <a:lstStyle/>
+          <a:p>
+            <a:pPr algn="ctr"/>
+            <a:r>
+              <a:rPr kumimoji="1" lang="en-US" altLang="zh-CN" dirty="0"/>
+              <a:t>G</a:t>
+            </a:r>
+            <a:endParaRPr kumimoji="1" lang="zh-CN" altLang="en-US" dirty="0"/>
+          </a:p>
+        </p:txBody>
+      </p:sp>
+      <p:sp>
+        <p:nvSpPr>
+          <p:cNvPr id="13" name="椭圆 12">
+            <a:extLst>
+              <a:ext uri="{FF2B5EF4-FFF2-40B4-BE49-F238E27FC236}">
+                <a16:creationId xmlns:a16="http://schemas.microsoft.com/office/drawing/2014/main" id="{CF61EFBE-36F5-264F-87D2-A9FAD406CE7B}"/>
+              </a:ext>
+            </a:extLst>
+          </p:cNvPr>
+          <p:cNvSpPr/>
+          <p:nvPr/>
+        </p:nvSpPr>
+        <p:spPr>
+          <a:xfrm>
+            <a:off x="6179560" y="2816031"/>
+            <a:ext cx="522514" cy="534389"/>
+          </a:xfrm>
+          <a:prstGeom prst="ellipse">
+            <a:avLst/>
+          </a:prstGeom>
+        </p:spPr>
+        <p:style>
+          <a:lnRef idx="2">
+            <a:schemeClr val="accent1">
+              <a:shade val="50000"/>
+            </a:schemeClr>
+          </a:lnRef>
+          <a:fillRef idx="1">
+            <a:schemeClr val="accent1"/>
+          </a:fillRef>
+          <a:effectRef idx="0">
+            <a:schemeClr val="accent1"/>
+          </a:effectRef>
+          <a:fontRef idx="minor">
+            <a:schemeClr val="lt1"/>
+          </a:fontRef>
+        </p:style>
+        <p:txBody>
+          <a:bodyPr rtlCol="0" anchor="ctr"/>
+          <a:lstStyle/>
+          <a:p>
+            <a:pPr algn="ctr"/>
+            <a:r>
+              <a:rPr kumimoji="1" lang="en-US" altLang="zh-CN" dirty="0"/>
+              <a:t>F</a:t>
+            </a:r>
+            <a:endParaRPr kumimoji="1" lang="zh-CN" altLang="en-US" dirty="0"/>
+          </a:p>
+        </p:txBody>
+      </p:sp>
+      <p:sp>
+        <p:nvSpPr>
+          <p:cNvPr id="14" name="椭圆 13">
+            <a:extLst>
+              <a:ext uri="{FF2B5EF4-FFF2-40B4-BE49-F238E27FC236}">
+                <a16:creationId xmlns:a16="http://schemas.microsoft.com/office/drawing/2014/main" id="{58F1C6F1-0C6F-5343-8966-C640056E7124}"/>
+              </a:ext>
+            </a:extLst>
+          </p:cNvPr>
+          <p:cNvSpPr/>
+          <p:nvPr/>
+        </p:nvSpPr>
+        <p:spPr>
+          <a:xfrm>
+            <a:off x="4453805" y="2826546"/>
+            <a:ext cx="522514" cy="534389"/>
+          </a:xfrm>
+          <a:prstGeom prst="ellipse">
+            <a:avLst/>
+          </a:prstGeom>
+        </p:spPr>
+        <p:style>
+          <a:lnRef idx="2">
+            <a:schemeClr val="accent1">
+              <a:shade val="50000"/>
+            </a:schemeClr>
+          </a:lnRef>
+          <a:fillRef idx="1">
+            <a:schemeClr val="accent1"/>
+          </a:fillRef>
+          <a:effectRef idx="0">
+            <a:schemeClr val="accent1"/>
+          </a:effectRef>
+          <a:fontRef idx="minor">
+            <a:schemeClr val="lt1"/>
+          </a:fontRef>
+        </p:style>
+        <p:txBody>
+          <a:bodyPr rtlCol="0" anchor="ctr"/>
+          <a:lstStyle/>
+          <a:p>
+            <a:pPr algn="ctr"/>
+            <a:r>
+              <a:rPr kumimoji="1" lang="en-US" altLang="zh-CN" dirty="0"/>
+              <a:t>C</a:t>
+            </a:r>
+            <a:endParaRPr kumimoji="1" lang="zh-CN" altLang="en-US" dirty="0"/>
+          </a:p>
+        </p:txBody>
+      </p:sp>
+      <p:sp>
+        <p:nvSpPr>
+          <p:cNvPr id="2" name="文本框 1">
+            <a:extLst>
+              <a:ext uri="{FF2B5EF4-FFF2-40B4-BE49-F238E27FC236}">
+                <a16:creationId xmlns:a16="http://schemas.microsoft.com/office/drawing/2014/main" id="{4B181367-25AF-0441-83B6-92CCC482EE53}"/>
+              </a:ext>
+            </a:extLst>
+          </p:cNvPr>
+          <p:cNvSpPr txBox="1"/>
+          <p:nvPr/>
+        </p:nvSpPr>
+        <p:spPr>
+          <a:xfrm>
+            <a:off x="213755" y="142504"/>
+            <a:ext cx="5028593" cy="369332"/>
+          </a:xfrm>
+          <a:prstGeom prst="rect">
+            <a:avLst/>
+          </a:prstGeom>
+          <a:noFill/>
+        </p:spPr>
+        <p:txBody>
+          <a:bodyPr wrap="square" rtlCol="0">
+            <a:spAutoFit/>
+          </a:bodyPr>
+          <a:lstStyle/>
+          <a:p>
+            <a:r>
+              <a:rPr kumimoji="1" lang="en-US" altLang="zh-CN" b="1" dirty="0">
+                <a:solidFill>
+                  <a:srgbClr val="0070C0"/>
+                </a:solidFill>
+              </a:rPr>
+              <a:t>Graph</a:t>
+            </a:r>
+            <a:r>
+              <a:rPr kumimoji="1" lang="en-US" altLang="zh-CN" dirty="0">
+                <a:solidFill>
+                  <a:srgbClr val="0070C0"/>
+                </a:solidFill>
+              </a:rPr>
+              <a:t>- STRONG BRACH EDGES</a:t>
+            </a:r>
+            <a:endParaRPr kumimoji="1" lang="zh-CN" altLang="en-US" dirty="0">
+              <a:solidFill>
+                <a:srgbClr val="0070C0"/>
+              </a:solidFill>
+            </a:endParaRPr>
+          </a:p>
+        </p:txBody>
+      </p:sp>
+      <p:cxnSp>
+        <p:nvCxnSpPr>
+          <p:cNvPr id="5" name="直线箭头连接符 4">
+            <a:extLst>
+              <a:ext uri="{FF2B5EF4-FFF2-40B4-BE49-F238E27FC236}">
+                <a16:creationId xmlns:a16="http://schemas.microsoft.com/office/drawing/2014/main" id="{DC0AE937-7200-F84D-917F-6D93C3931826}"/>
+              </a:ext>
+            </a:extLst>
+          </p:cNvPr>
+          <p:cNvCxnSpPr>
+            <a:cxnSpLocks/>
+            <a:stCxn id="4" idx="5"/>
+            <a:endCxn id="14" idx="1"/>
+          </p:cNvCxnSpPr>
+          <p:nvPr/>
+        </p:nvCxnSpPr>
+        <p:spPr>
+          <a:xfrm>
+            <a:off x="2912788" y="1724983"/>
+            <a:ext cx="1617537" cy="1179822"/>
+          </a:xfrm>
+          <a:prstGeom prst="straightConnector1">
+            <a:avLst/>
+          </a:prstGeom>
+          <a:ln>
+            <a:tailEnd type="triangle"/>
+          </a:ln>
+        </p:spPr>
+        <p:style>
+          <a:lnRef idx="3">
+            <a:schemeClr val="accent1"/>
+          </a:lnRef>
+          <a:fillRef idx="0">
+            <a:schemeClr val="accent1"/>
+          </a:fillRef>
+          <a:effectRef idx="2">
+            <a:schemeClr val="accent1"/>
+          </a:effectRef>
+          <a:fontRef idx="minor">
+            <a:schemeClr val="tx1"/>
+          </a:fontRef>
+        </p:style>
+      </p:cxnSp>
+      <p:cxnSp>
+        <p:nvCxnSpPr>
+          <p:cNvPr id="8" name="直线箭头连接符 7">
+            <a:extLst>
+              <a:ext uri="{FF2B5EF4-FFF2-40B4-BE49-F238E27FC236}">
+                <a16:creationId xmlns:a16="http://schemas.microsoft.com/office/drawing/2014/main" id="{3C289379-0749-8D4C-A405-AB6BED94714E}"/>
+              </a:ext>
+            </a:extLst>
+          </p:cNvPr>
+          <p:cNvCxnSpPr>
+            <a:cxnSpLocks/>
+            <a:stCxn id="4" idx="6"/>
+            <a:endCxn id="7" idx="2"/>
+          </p:cNvCxnSpPr>
+          <p:nvPr/>
+        </p:nvCxnSpPr>
+        <p:spPr>
+          <a:xfrm>
+            <a:off x="2989308" y="1536048"/>
+            <a:ext cx="1464496" cy="21041"/>
+          </a:xfrm>
+          <a:prstGeom prst="straightConnector1">
+            <a:avLst/>
+          </a:prstGeom>
+          <a:ln>
+            <a:tailEnd type="triangle"/>
+          </a:ln>
+        </p:spPr>
+        <p:style>
+          <a:lnRef idx="3">
+            <a:schemeClr val="accent1"/>
+          </a:lnRef>
+          <a:fillRef idx="0">
+            <a:schemeClr val="accent1"/>
+          </a:fillRef>
+          <a:effectRef idx="2">
+            <a:schemeClr val="accent1"/>
+          </a:effectRef>
+          <a:fontRef idx="minor">
+            <a:schemeClr val="tx1"/>
+          </a:fontRef>
+        </p:style>
+      </p:cxnSp>
+      <p:cxnSp>
+        <p:nvCxnSpPr>
+          <p:cNvPr id="16" name="直线箭头连接符 15">
+            <a:extLst>
+              <a:ext uri="{FF2B5EF4-FFF2-40B4-BE49-F238E27FC236}">
+                <a16:creationId xmlns:a16="http://schemas.microsoft.com/office/drawing/2014/main" id="{300552AD-6A6D-E345-A0E3-5E4B202DBEE9}"/>
+              </a:ext>
+            </a:extLst>
+          </p:cNvPr>
+          <p:cNvCxnSpPr>
+            <a:cxnSpLocks/>
+            <a:stCxn id="7" idx="5"/>
+            <a:endCxn id="13" idx="1"/>
+          </p:cNvCxnSpPr>
+          <p:nvPr/>
+        </p:nvCxnSpPr>
+        <p:spPr>
+          <a:xfrm>
+            <a:off x="4899798" y="1746024"/>
+            <a:ext cx="1356282" cy="1148266"/>
+          </a:xfrm>
+          <a:prstGeom prst="straightConnector1">
+            <a:avLst/>
+          </a:prstGeom>
+          <a:ln>
+            <a:tailEnd type="triangle"/>
+          </a:ln>
+        </p:spPr>
+        <p:style>
+          <a:lnRef idx="3">
+            <a:schemeClr val="accent1"/>
+          </a:lnRef>
+          <a:fillRef idx="0">
+            <a:schemeClr val="accent1"/>
+          </a:fillRef>
+          <a:effectRef idx="2">
+            <a:schemeClr val="accent1"/>
+          </a:effectRef>
+          <a:fontRef idx="minor">
+            <a:schemeClr val="tx1"/>
+          </a:fontRef>
+        </p:style>
+      </p:cxnSp>
+      <p:cxnSp>
+        <p:nvCxnSpPr>
+          <p:cNvPr id="18" name="直线箭头连接符 17">
+            <a:extLst>
+              <a:ext uri="{FF2B5EF4-FFF2-40B4-BE49-F238E27FC236}">
+                <a16:creationId xmlns:a16="http://schemas.microsoft.com/office/drawing/2014/main" id="{72205337-60AF-024C-B9AC-B594C0DBE8E3}"/>
+              </a:ext>
+            </a:extLst>
+          </p:cNvPr>
+          <p:cNvCxnSpPr>
+            <a:cxnSpLocks/>
+            <a:stCxn id="78" idx="3"/>
+            <a:endCxn id="81" idx="7"/>
+          </p:cNvCxnSpPr>
+          <p:nvPr/>
+        </p:nvCxnSpPr>
+        <p:spPr>
+          <a:xfrm flipH="1">
+            <a:off x="6625554" y="3272160"/>
+            <a:ext cx="1659037" cy="1161668"/>
+          </a:xfrm>
+          <a:prstGeom prst="straightConnector1">
+            <a:avLst/>
+          </a:prstGeom>
+          <a:ln>
+            <a:tailEnd type="triangle"/>
+          </a:ln>
+        </p:spPr>
+        <p:style>
+          <a:lnRef idx="3">
+            <a:schemeClr val="accent1"/>
+          </a:lnRef>
+          <a:fillRef idx="0">
+            <a:schemeClr val="accent1"/>
+          </a:fillRef>
+          <a:effectRef idx="2">
+            <a:schemeClr val="accent1"/>
+          </a:effectRef>
+          <a:fontRef idx="minor">
+            <a:schemeClr val="tx1"/>
+          </a:fontRef>
+        </p:style>
+      </p:cxnSp>
+      <p:cxnSp>
+        <p:nvCxnSpPr>
+          <p:cNvPr id="20" name="直线箭头连接符 19">
+            <a:extLst>
+              <a:ext uri="{FF2B5EF4-FFF2-40B4-BE49-F238E27FC236}">
+                <a16:creationId xmlns:a16="http://schemas.microsoft.com/office/drawing/2014/main" id="{E8C63654-5F39-BF43-B33C-9A7A3F093F34}"/>
+              </a:ext>
+            </a:extLst>
+          </p:cNvPr>
+          <p:cNvCxnSpPr>
+            <a:cxnSpLocks/>
+            <a:stCxn id="12" idx="3"/>
+            <a:endCxn id="13" idx="7"/>
+          </p:cNvCxnSpPr>
+          <p:nvPr/>
+        </p:nvCxnSpPr>
+        <p:spPr>
+          <a:xfrm flipH="1">
+            <a:off x="6625554" y="1746024"/>
+            <a:ext cx="505792" cy="1148266"/>
+          </a:xfrm>
+          <a:prstGeom prst="straightConnector1">
+            <a:avLst/>
+          </a:prstGeom>
+          <a:ln>
+            <a:tailEnd type="triangle"/>
+          </a:ln>
+        </p:spPr>
+        <p:style>
+          <a:lnRef idx="3">
+            <a:schemeClr val="accent1"/>
+          </a:lnRef>
+          <a:fillRef idx="0">
+            <a:schemeClr val="accent1"/>
+          </a:fillRef>
+          <a:effectRef idx="2">
+            <a:schemeClr val="accent1"/>
+          </a:effectRef>
+          <a:fontRef idx="minor">
+            <a:schemeClr val="tx1"/>
+          </a:fontRef>
+        </p:style>
+      </p:cxnSp>
+      <p:cxnSp>
+        <p:nvCxnSpPr>
+          <p:cNvPr id="23" name="直线箭头连接符 22">
+            <a:extLst>
+              <a:ext uri="{FF2B5EF4-FFF2-40B4-BE49-F238E27FC236}">
+                <a16:creationId xmlns:a16="http://schemas.microsoft.com/office/drawing/2014/main" id="{3BD51E29-51C0-4642-B2D7-6E9C206F4487}"/>
+              </a:ext>
+            </a:extLst>
+          </p:cNvPr>
+          <p:cNvCxnSpPr>
+            <a:cxnSpLocks/>
+            <a:stCxn id="11" idx="4"/>
+            <a:endCxn id="9" idx="0"/>
+          </p:cNvCxnSpPr>
+          <p:nvPr/>
+        </p:nvCxnSpPr>
+        <p:spPr>
+          <a:xfrm>
+            <a:off x="2728051" y="3360935"/>
+            <a:ext cx="0" cy="996398"/>
+          </a:xfrm>
+          <a:prstGeom prst="straightConnector1">
+            <a:avLst/>
+          </a:prstGeom>
+          <a:ln>
+            <a:tailEnd type="triangle"/>
+          </a:ln>
+        </p:spPr>
+        <p:style>
+          <a:lnRef idx="3">
+            <a:schemeClr val="accent1"/>
+          </a:lnRef>
+          <a:fillRef idx="0">
+            <a:schemeClr val="accent1"/>
+          </a:fillRef>
+          <a:effectRef idx="2">
+            <a:schemeClr val="accent1"/>
+          </a:effectRef>
+          <a:fontRef idx="minor">
+            <a:schemeClr val="tx1"/>
+          </a:fontRef>
+        </p:style>
+      </p:cxnSp>
+      <p:cxnSp>
+        <p:nvCxnSpPr>
+          <p:cNvPr id="25" name="直线箭头连接符 24">
+            <a:extLst>
+              <a:ext uri="{FF2B5EF4-FFF2-40B4-BE49-F238E27FC236}">
+                <a16:creationId xmlns:a16="http://schemas.microsoft.com/office/drawing/2014/main" id="{67A4B1F0-9AAB-2C4E-8EBD-B99A140C6FF2}"/>
+              </a:ext>
+            </a:extLst>
+          </p:cNvPr>
+          <p:cNvCxnSpPr>
+            <a:cxnSpLocks/>
+            <a:stCxn id="4" idx="4"/>
+            <a:endCxn id="11" idx="0"/>
+          </p:cNvCxnSpPr>
+          <p:nvPr/>
+        </p:nvCxnSpPr>
+        <p:spPr>
+          <a:xfrm>
+            <a:off x="2728051" y="1803242"/>
+            <a:ext cx="0" cy="1023304"/>
+          </a:xfrm>
+          <a:prstGeom prst="straightConnector1">
+            <a:avLst/>
+          </a:prstGeom>
+          <a:ln>
+            <a:tailEnd type="triangle"/>
+          </a:ln>
+        </p:spPr>
+        <p:style>
+          <a:lnRef idx="3">
+            <a:schemeClr val="accent1"/>
+          </a:lnRef>
+          <a:fillRef idx="0">
+            <a:schemeClr val="accent1"/>
+          </a:fillRef>
+          <a:effectRef idx="2">
+            <a:schemeClr val="accent1"/>
+          </a:effectRef>
+          <a:fontRef idx="minor">
+            <a:schemeClr val="tx1"/>
+          </a:fontRef>
+        </p:style>
+      </p:cxnSp>
+      <p:cxnSp>
+        <p:nvCxnSpPr>
+          <p:cNvPr id="39" name="直线箭头连接符 38">
+            <a:extLst>
+              <a:ext uri="{FF2B5EF4-FFF2-40B4-BE49-F238E27FC236}">
+                <a16:creationId xmlns:a16="http://schemas.microsoft.com/office/drawing/2014/main" id="{A0A02A6F-ECB6-894A-8221-4F8B00D51F02}"/>
+              </a:ext>
+            </a:extLst>
+          </p:cNvPr>
+          <p:cNvCxnSpPr>
+            <a:cxnSpLocks/>
+            <a:stCxn id="12" idx="5"/>
+            <a:endCxn id="78" idx="1"/>
+          </p:cNvCxnSpPr>
+          <p:nvPr/>
+        </p:nvCxnSpPr>
+        <p:spPr>
+          <a:xfrm>
+            <a:off x="7500820" y="1746024"/>
+            <a:ext cx="783771" cy="1148265"/>
+          </a:xfrm>
+          <a:prstGeom prst="straightConnector1">
+            <a:avLst/>
+          </a:prstGeom>
+          <a:ln>
+            <a:tailEnd type="triangle"/>
+          </a:ln>
+        </p:spPr>
+        <p:style>
+          <a:lnRef idx="3">
+            <a:schemeClr val="accent1"/>
+          </a:lnRef>
+          <a:fillRef idx="0">
+            <a:schemeClr val="accent1"/>
+          </a:fillRef>
+          <a:effectRef idx="2">
+            <a:schemeClr val="accent1"/>
+          </a:effectRef>
+          <a:fontRef idx="minor">
+            <a:schemeClr val="tx1"/>
+          </a:fontRef>
+        </p:style>
+      </p:cxnSp>
+      <p:cxnSp>
+        <p:nvCxnSpPr>
+          <p:cNvPr id="41" name="直线箭头连接符 40">
+            <a:extLst>
+              <a:ext uri="{FF2B5EF4-FFF2-40B4-BE49-F238E27FC236}">
+                <a16:creationId xmlns:a16="http://schemas.microsoft.com/office/drawing/2014/main" id="{DA1F7EB5-B9D0-894D-8C93-733946ABFC2E}"/>
+              </a:ext>
+            </a:extLst>
+          </p:cNvPr>
+          <p:cNvCxnSpPr>
+            <a:cxnSpLocks/>
+            <a:stCxn id="14" idx="3"/>
+            <a:endCxn id="9" idx="6"/>
+          </p:cNvCxnSpPr>
+          <p:nvPr/>
+        </p:nvCxnSpPr>
+        <p:spPr>
+          <a:xfrm flipH="1">
+            <a:off x="2989308" y="3282676"/>
+            <a:ext cx="1541017" cy="1341852"/>
+          </a:xfrm>
+          <a:prstGeom prst="straightConnector1">
+            <a:avLst/>
+          </a:prstGeom>
+          <a:ln>
+            <a:tailEnd type="triangle"/>
+          </a:ln>
+        </p:spPr>
+        <p:style>
+          <a:lnRef idx="3">
+            <a:schemeClr val="accent1"/>
+          </a:lnRef>
+          <a:fillRef idx="0">
+            <a:schemeClr val="accent1"/>
+          </a:fillRef>
+          <a:effectRef idx="2">
+            <a:schemeClr val="accent1"/>
+          </a:effectRef>
+          <a:fontRef idx="minor">
+            <a:schemeClr val="tx1"/>
+          </a:fontRef>
+        </p:style>
+      </p:cxnSp>
+      <p:cxnSp>
+        <p:nvCxnSpPr>
+          <p:cNvPr id="43" name="直线箭头连接符 42">
+            <a:extLst>
+              <a:ext uri="{FF2B5EF4-FFF2-40B4-BE49-F238E27FC236}">
+                <a16:creationId xmlns:a16="http://schemas.microsoft.com/office/drawing/2014/main" id="{D6947BA2-74A3-8048-81D6-BCDB50920098}"/>
+              </a:ext>
+            </a:extLst>
+          </p:cNvPr>
+          <p:cNvCxnSpPr>
+            <a:cxnSpLocks/>
+            <a:stCxn id="82" idx="0"/>
+            <a:endCxn id="78" idx="4"/>
+          </p:cNvCxnSpPr>
+          <p:nvPr/>
+        </p:nvCxnSpPr>
+        <p:spPr>
+          <a:xfrm flipV="1">
+            <a:off x="8469328" y="3350419"/>
+            <a:ext cx="0" cy="1005150"/>
+          </a:xfrm>
+          <a:prstGeom prst="straightConnector1">
+            <a:avLst/>
+          </a:prstGeom>
+          <a:ln>
+            <a:tailEnd type="triangle"/>
+          </a:ln>
+        </p:spPr>
+        <p:style>
+          <a:lnRef idx="3">
+            <a:schemeClr val="accent1"/>
+          </a:lnRef>
+          <a:fillRef idx="0">
+            <a:schemeClr val="accent1"/>
+          </a:fillRef>
+          <a:effectRef idx="2">
+            <a:schemeClr val="accent1"/>
+          </a:effectRef>
+          <a:fontRef idx="minor">
+            <a:schemeClr val="tx1"/>
+          </a:fontRef>
+        </p:style>
+      </p:cxnSp>
+      <p:cxnSp>
+        <p:nvCxnSpPr>
+          <p:cNvPr id="45" name="直线箭头连接符 44">
+            <a:extLst>
+              <a:ext uri="{FF2B5EF4-FFF2-40B4-BE49-F238E27FC236}">
+                <a16:creationId xmlns:a16="http://schemas.microsoft.com/office/drawing/2014/main" id="{1AAC828F-96AB-744E-8555-7ECB2A3F3CB1}"/>
+              </a:ext>
+            </a:extLst>
+          </p:cNvPr>
+          <p:cNvCxnSpPr>
+            <a:cxnSpLocks/>
+            <a:stCxn id="13" idx="2"/>
+            <a:endCxn id="14" idx="6"/>
+          </p:cNvCxnSpPr>
+          <p:nvPr/>
+        </p:nvCxnSpPr>
+        <p:spPr>
+          <a:xfrm flipH="1">
+            <a:off x="4976319" y="3083226"/>
+            <a:ext cx="1203241" cy="10515"/>
+          </a:xfrm>
+          <a:prstGeom prst="straightConnector1">
+            <a:avLst/>
+          </a:prstGeom>
+          <a:ln>
+            <a:tailEnd type="triangle"/>
+          </a:ln>
+        </p:spPr>
+        <p:style>
+          <a:lnRef idx="3">
+            <a:schemeClr val="accent1"/>
+          </a:lnRef>
+          <a:fillRef idx="0">
+            <a:schemeClr val="accent1"/>
+          </a:fillRef>
+          <a:effectRef idx="2">
+            <a:schemeClr val="accent1"/>
+          </a:effectRef>
+          <a:fontRef idx="minor">
+            <a:schemeClr val="tx1"/>
+          </a:fontRef>
+        </p:style>
+      </p:cxnSp>
+      <p:cxnSp>
+        <p:nvCxnSpPr>
+          <p:cNvPr id="47" name="直线箭头连接符 46">
+            <a:extLst>
+              <a:ext uri="{FF2B5EF4-FFF2-40B4-BE49-F238E27FC236}">
+                <a16:creationId xmlns:a16="http://schemas.microsoft.com/office/drawing/2014/main" id="{23B83BC8-FC7E-0647-81F6-4DCB9298CCC1}"/>
+              </a:ext>
+            </a:extLst>
+          </p:cNvPr>
+          <p:cNvCxnSpPr>
+            <a:cxnSpLocks/>
+            <a:stCxn id="14" idx="2"/>
+            <a:endCxn id="11" idx="6"/>
+          </p:cNvCxnSpPr>
+          <p:nvPr/>
+        </p:nvCxnSpPr>
+        <p:spPr>
+          <a:xfrm flipH="1">
+            <a:off x="2989308" y="3093741"/>
+            <a:ext cx="1464497" cy="0"/>
+          </a:xfrm>
+          <a:prstGeom prst="straightConnector1">
+            <a:avLst/>
+          </a:prstGeom>
+          <a:ln>
+            <a:tailEnd type="triangle"/>
+          </a:ln>
+        </p:spPr>
+        <p:style>
+          <a:lnRef idx="3">
+            <a:schemeClr val="accent1"/>
+          </a:lnRef>
+          <a:fillRef idx="0">
+            <a:schemeClr val="accent1"/>
+          </a:fillRef>
+          <a:effectRef idx="2">
+            <a:schemeClr val="accent1"/>
+          </a:effectRef>
+          <a:fontRef idx="minor">
+            <a:schemeClr val="tx1"/>
+          </a:fontRef>
+        </p:style>
+      </p:cxnSp>
+      <p:sp>
+        <p:nvSpPr>
+          <p:cNvPr id="33" name="文本框 32">
+            <a:extLst>
+              <a:ext uri="{FF2B5EF4-FFF2-40B4-BE49-F238E27FC236}">
+                <a16:creationId xmlns:a16="http://schemas.microsoft.com/office/drawing/2014/main" id="{09CBDA21-04B1-C84B-8BF2-ADAB7D7BFB6A}"/>
+              </a:ext>
+            </a:extLst>
+          </p:cNvPr>
+          <p:cNvSpPr txBox="1"/>
+          <p:nvPr/>
+        </p:nvSpPr>
+        <p:spPr>
+          <a:xfrm>
+            <a:off x="4560125" y="2375065"/>
+            <a:ext cx="184731" cy="369332"/>
+          </a:xfrm>
+          <a:prstGeom prst="rect">
+            <a:avLst/>
+          </a:prstGeom>
+          <a:noFill/>
+        </p:spPr>
+        <p:txBody>
+          <a:bodyPr wrap="none" rtlCol="0">
+            <a:spAutoFit/>
+          </a:bodyPr>
+          <a:lstStyle/>
+          <a:p>
+            <a:endParaRPr kumimoji="1" lang="zh-CN" altLang="en-US" dirty="0"/>
+          </a:p>
+        </p:txBody>
+      </p:sp>
+      <p:sp>
+        <p:nvSpPr>
+          <p:cNvPr id="78" name="椭圆 77">
+            <a:extLst>
+              <a:ext uri="{FF2B5EF4-FFF2-40B4-BE49-F238E27FC236}">
+                <a16:creationId xmlns:a16="http://schemas.microsoft.com/office/drawing/2014/main" id="{94F0DC91-B8C2-F645-BAF1-74B55F6D18EB}"/>
+              </a:ext>
+            </a:extLst>
+          </p:cNvPr>
+          <p:cNvSpPr/>
+          <p:nvPr/>
+        </p:nvSpPr>
+        <p:spPr>
+          <a:xfrm>
+            <a:off x="8208071" y="2816030"/>
+            <a:ext cx="522514" cy="534389"/>
+          </a:xfrm>
+          <a:prstGeom prst="ellipse">
+            <a:avLst/>
+          </a:prstGeom>
+        </p:spPr>
+        <p:style>
+          <a:lnRef idx="2">
+            <a:schemeClr val="accent1">
+              <a:shade val="50000"/>
+            </a:schemeClr>
+          </a:lnRef>
+          <a:fillRef idx="1">
+            <a:schemeClr val="accent1"/>
+          </a:fillRef>
+          <a:effectRef idx="0">
+            <a:schemeClr val="accent1"/>
+          </a:effectRef>
+          <a:fontRef idx="minor">
+            <a:schemeClr val="lt1"/>
+          </a:fontRef>
+        </p:style>
+        <p:txBody>
+          <a:bodyPr rtlCol="0" anchor="ctr"/>
+          <a:lstStyle/>
+          <a:p>
+            <a:pPr algn="ctr"/>
+            <a:r>
+              <a:rPr kumimoji="1" lang="en-US" altLang="zh-CN" dirty="0"/>
+              <a:t>H</a:t>
+            </a:r>
+            <a:endParaRPr kumimoji="1" lang="zh-CN" altLang="en-US" dirty="0"/>
+          </a:p>
+        </p:txBody>
+      </p:sp>
+      <p:sp>
+        <p:nvSpPr>
+          <p:cNvPr id="81" name="椭圆 80">
+            <a:extLst>
+              <a:ext uri="{FF2B5EF4-FFF2-40B4-BE49-F238E27FC236}">
+                <a16:creationId xmlns:a16="http://schemas.microsoft.com/office/drawing/2014/main" id="{F63FED62-3819-E546-A34A-C79DBC2D2D09}"/>
+              </a:ext>
+            </a:extLst>
+          </p:cNvPr>
+          <p:cNvSpPr/>
+          <p:nvPr/>
+        </p:nvSpPr>
+        <p:spPr>
+          <a:xfrm>
+            <a:off x="6179560" y="4355569"/>
+            <a:ext cx="522514" cy="534389"/>
+          </a:xfrm>
+          <a:prstGeom prst="ellipse">
+            <a:avLst/>
+          </a:prstGeom>
+        </p:spPr>
+        <p:style>
+          <a:lnRef idx="2">
+            <a:schemeClr val="accent1">
+              <a:shade val="50000"/>
+            </a:schemeClr>
+          </a:lnRef>
+          <a:fillRef idx="1">
+            <a:schemeClr val="accent1"/>
+          </a:fillRef>
+          <a:effectRef idx="0">
+            <a:schemeClr val="accent1"/>
+          </a:effectRef>
+          <a:fontRef idx="minor">
+            <a:schemeClr val="lt1"/>
+          </a:fontRef>
+        </p:style>
+        <p:txBody>
+          <a:bodyPr rtlCol="0" anchor="ctr"/>
+          <a:lstStyle/>
+          <a:p>
+            <a:pPr algn="ctr"/>
+            <a:r>
+              <a:rPr kumimoji="1" lang="en-US" altLang="zh-CN" dirty="0"/>
+              <a:t>J</a:t>
+            </a:r>
+            <a:endParaRPr kumimoji="1" lang="zh-CN" altLang="en-US" dirty="0"/>
+          </a:p>
+        </p:txBody>
+      </p:sp>
+      <p:sp>
+        <p:nvSpPr>
+          <p:cNvPr id="82" name="椭圆 81">
+            <a:extLst>
+              <a:ext uri="{FF2B5EF4-FFF2-40B4-BE49-F238E27FC236}">
+                <a16:creationId xmlns:a16="http://schemas.microsoft.com/office/drawing/2014/main" id="{47EE0488-AA7F-C64D-9A0E-FFD7BAFB7909}"/>
+              </a:ext>
+            </a:extLst>
+          </p:cNvPr>
+          <p:cNvSpPr/>
+          <p:nvPr/>
+        </p:nvSpPr>
+        <p:spPr>
+          <a:xfrm>
+            <a:off x="8208071" y="4355569"/>
+            <a:ext cx="522514" cy="534389"/>
+          </a:xfrm>
+          <a:prstGeom prst="ellipse">
+            <a:avLst/>
+          </a:prstGeom>
+        </p:spPr>
+        <p:style>
+          <a:lnRef idx="2">
+            <a:schemeClr val="accent1">
+              <a:shade val="50000"/>
+            </a:schemeClr>
+          </a:lnRef>
+          <a:fillRef idx="1">
+            <a:schemeClr val="accent1"/>
+          </a:fillRef>
+          <a:effectRef idx="0">
+            <a:schemeClr val="accent1"/>
+          </a:effectRef>
+          <a:fontRef idx="minor">
+            <a:schemeClr val="lt1"/>
+          </a:fontRef>
+        </p:style>
+        <p:txBody>
+          <a:bodyPr rtlCol="0" anchor="ctr"/>
+          <a:lstStyle/>
+          <a:p>
+            <a:pPr algn="ctr"/>
+            <a:r>
+              <a:rPr kumimoji="1" lang="en-US" altLang="zh-CN" dirty="0"/>
+              <a:t>I</a:t>
+            </a:r>
+            <a:endParaRPr kumimoji="1" lang="zh-CN" altLang="en-US" dirty="0"/>
+          </a:p>
+        </p:txBody>
+      </p:sp>
+      <p:cxnSp>
+        <p:nvCxnSpPr>
+          <p:cNvPr id="88" name="直线箭头连接符 87">
+            <a:extLst>
+              <a:ext uri="{FF2B5EF4-FFF2-40B4-BE49-F238E27FC236}">
+                <a16:creationId xmlns:a16="http://schemas.microsoft.com/office/drawing/2014/main" id="{D695B63A-80A3-9841-A855-F8EF006602BC}"/>
+              </a:ext>
+            </a:extLst>
+          </p:cNvPr>
+          <p:cNvCxnSpPr>
+            <a:cxnSpLocks/>
+            <a:stCxn id="81" idx="6"/>
+            <a:endCxn id="82" idx="2"/>
+          </p:cNvCxnSpPr>
+          <p:nvPr/>
+        </p:nvCxnSpPr>
+        <p:spPr>
+          <a:xfrm>
+            <a:off x="6702074" y="4622764"/>
+            <a:ext cx="1505997" cy="0"/>
+          </a:xfrm>
+          <a:prstGeom prst="straightConnector1">
+            <a:avLst/>
+          </a:prstGeom>
+          <a:ln>
+            <a:tailEnd type="triangle"/>
+          </a:ln>
+        </p:spPr>
+        <p:style>
+          <a:lnRef idx="3">
+            <a:schemeClr val="accent1"/>
+          </a:lnRef>
+          <a:fillRef idx="0">
+            <a:schemeClr val="accent1"/>
+          </a:fillRef>
+          <a:effectRef idx="2">
+            <a:schemeClr val="accent1"/>
+          </a:effectRef>
+          <a:fontRef idx="minor">
+            <a:schemeClr val="tx1"/>
+          </a:fontRef>
+        </p:style>
+      </p:cxnSp>
+      <p:cxnSp>
+        <p:nvCxnSpPr>
+          <p:cNvPr id="90" name="直线箭头连接符 89">
+            <a:extLst>
+              <a:ext uri="{FF2B5EF4-FFF2-40B4-BE49-F238E27FC236}">
+                <a16:creationId xmlns:a16="http://schemas.microsoft.com/office/drawing/2014/main" id="{418AFA84-ECE1-5842-BE1B-B074E327198E}"/>
+              </a:ext>
+            </a:extLst>
+          </p:cNvPr>
+          <p:cNvCxnSpPr>
+            <a:cxnSpLocks/>
+            <a:stCxn id="7" idx="4"/>
+            <a:endCxn id="14" idx="0"/>
+          </p:cNvCxnSpPr>
+          <p:nvPr/>
+        </p:nvCxnSpPr>
+        <p:spPr>
+          <a:xfrm>
+            <a:off x="4715061" y="1824283"/>
+            <a:ext cx="1" cy="1002263"/>
+          </a:xfrm>
+          <a:prstGeom prst="straightConnector1">
+            <a:avLst/>
+          </a:prstGeom>
+          <a:ln>
+            <a:tailEnd type="triangle"/>
+          </a:ln>
+        </p:spPr>
+        <p:style>
+          <a:lnRef idx="3">
+            <a:schemeClr val="accent1"/>
+          </a:lnRef>
+          <a:fillRef idx="0">
+            <a:schemeClr val="accent1"/>
+          </a:fillRef>
+          <a:effectRef idx="2">
+            <a:schemeClr val="accent1"/>
+          </a:effectRef>
+          <a:fontRef idx="minor">
+            <a:schemeClr val="tx1"/>
+          </a:fontRef>
+        </p:style>
+      </p:cxnSp>
+      <p:cxnSp>
+        <p:nvCxnSpPr>
+          <p:cNvPr id="98" name="直线箭头连接符 97">
+            <a:extLst>
+              <a:ext uri="{FF2B5EF4-FFF2-40B4-BE49-F238E27FC236}">
+                <a16:creationId xmlns:a16="http://schemas.microsoft.com/office/drawing/2014/main" id="{CEF463D6-3EB0-8348-B72C-CDB2A4566823}"/>
+              </a:ext>
+            </a:extLst>
+          </p:cNvPr>
+          <p:cNvCxnSpPr>
+            <a:cxnSpLocks/>
+            <a:stCxn id="78" idx="2"/>
+            <a:endCxn id="13" idx="6"/>
+          </p:cNvCxnSpPr>
+          <p:nvPr/>
+        </p:nvCxnSpPr>
+        <p:spPr>
+          <a:xfrm flipH="1">
+            <a:off x="6702074" y="3083225"/>
+            <a:ext cx="1505997" cy="1"/>
+          </a:xfrm>
+          <a:prstGeom prst="straightConnector1">
+            <a:avLst/>
+          </a:prstGeom>
+          <a:ln>
+            <a:tailEnd type="triangle"/>
+          </a:ln>
+        </p:spPr>
+        <p:style>
+          <a:lnRef idx="3">
+            <a:schemeClr val="accent1"/>
+          </a:lnRef>
+          <a:fillRef idx="0">
+            <a:schemeClr val="accent1"/>
+          </a:fillRef>
+          <a:effectRef idx="2">
+            <a:schemeClr val="accent1"/>
+          </a:effectRef>
+          <a:fontRef idx="minor">
+            <a:schemeClr val="tx1"/>
+          </a:fontRef>
+        </p:style>
+      </p:cxnSp>
+    </p:spTree>
+    <p:extLst>
+      <p:ext uri="{BB962C8B-B14F-4D97-AF65-F5344CB8AC3E}">
+        <p14:creationId xmlns:p14="http://schemas.microsoft.com/office/powerpoint/2010/main" val="2099084412"/>
+      </p:ext>
+    </p:extLst>
+  </p:cSld>
+  <p:clrMapOvr>
+    <a:masterClrMapping/>
+  </p:clrMapOvr>
+</p:sld>
+</file>
+
 <file path=ppt/theme/theme1.xml><?xml version="1.0" encoding="utf-8"?>
 <a:theme xmlns:a="http://schemas.openxmlformats.org/drawingml/2006/main" name="Office 主题​​">
   <a:themeElements>

--- a/assets/visualization.pptx
+++ b/assets/visualization.pptx
@@ -3727,7 +3727,7 @@
                   <a:srgbClr val="0070C0"/>
                 </a:solidFill>
               </a:rPr>
-              <a:t>- STORTEST PATH EDGES</a:t>
+              <a:t>- SHORTEST PATH EDGES</a:t>
             </a:r>
             <a:endParaRPr kumimoji="1" lang="zh-CN" altLang="en-US" dirty="0">
               <a:solidFill>
@@ -4681,7 +4681,7 @@
                   <a:srgbClr val="0070C0"/>
                 </a:solidFill>
               </a:rPr>
-              <a:t>2</a:t>
+              <a:t>7</a:t>
             </a:r>
             <a:endParaRPr kumimoji="1" lang="zh-CN" altLang="en-US" sz="2000" b="1" dirty="0">
               <a:solidFill>
